--- a/arch.pptx
+++ b/arch.pptx
@@ -5,13 +5,15 @@
     <p:sldMasterId id="2147483648" r:id="rId1"/>
   </p:sldMasterIdLst>
   <p:sldIdLst>
-    <p:sldId id="256" r:id="rId2"/>
-    <p:sldId id="258" r:id="rId3"/>
-    <p:sldId id="259" r:id="rId4"/>
-    <p:sldId id="261" r:id="rId5"/>
-    <p:sldId id="260" r:id="rId6"/>
-    <p:sldId id="257" r:id="rId7"/>
-    <p:sldId id="262" r:id="rId8"/>
+    <p:sldId id="262" r:id="rId2"/>
+    <p:sldId id="263" r:id="rId3"/>
+    <p:sldId id="264" r:id="rId4"/>
+    <p:sldId id="256" r:id="rId5"/>
+    <p:sldId id="258" r:id="rId6"/>
+    <p:sldId id="259" r:id="rId7"/>
+    <p:sldId id="261" r:id="rId8"/>
+    <p:sldId id="260" r:id="rId9"/>
+    <p:sldId id="257" r:id="rId10"/>
   </p:sldIdLst>
   <p:sldSz cx="12192000" cy="6858000"/>
   <p:notesSz cx="6858000" cy="9144000"/>
@@ -265,7 +267,7 @@
           <a:p>
             <a:fld id="{45827071-A2FE-4666-AA40-95ABAF366A4A}" type="datetimeFigureOut">
               <a:rPr lang="zh-CN" altLang="en-US" smtClean="0"/>
-              <a:t>2019.4.28</a:t>
+              <a:t>2019/4/30</a:t>
             </a:fld>
             <a:endParaRPr lang="zh-CN" altLang="en-US"/>
           </a:p>
@@ -463,7 +465,7 @@
           <a:p>
             <a:fld id="{45827071-A2FE-4666-AA40-95ABAF366A4A}" type="datetimeFigureOut">
               <a:rPr lang="zh-CN" altLang="en-US" smtClean="0"/>
-              <a:t>2019.4.28</a:t>
+              <a:t>2019/4/30</a:t>
             </a:fld>
             <a:endParaRPr lang="zh-CN" altLang="en-US"/>
           </a:p>
@@ -671,7 +673,7 @@
           <a:p>
             <a:fld id="{45827071-A2FE-4666-AA40-95ABAF366A4A}" type="datetimeFigureOut">
               <a:rPr lang="zh-CN" altLang="en-US" smtClean="0"/>
-              <a:t>2019.4.28</a:t>
+              <a:t>2019/4/30</a:t>
             </a:fld>
             <a:endParaRPr lang="zh-CN" altLang="en-US"/>
           </a:p>
@@ -869,7 +871,7 @@
           <a:p>
             <a:fld id="{45827071-A2FE-4666-AA40-95ABAF366A4A}" type="datetimeFigureOut">
               <a:rPr lang="zh-CN" altLang="en-US" smtClean="0"/>
-              <a:t>2019.4.28</a:t>
+              <a:t>2019/4/30</a:t>
             </a:fld>
             <a:endParaRPr lang="zh-CN" altLang="en-US"/>
           </a:p>
@@ -1144,7 +1146,7 @@
           <a:p>
             <a:fld id="{45827071-A2FE-4666-AA40-95ABAF366A4A}" type="datetimeFigureOut">
               <a:rPr lang="zh-CN" altLang="en-US" smtClean="0"/>
-              <a:t>2019.4.28</a:t>
+              <a:t>2019/4/30</a:t>
             </a:fld>
             <a:endParaRPr lang="zh-CN" altLang="en-US"/>
           </a:p>
@@ -1409,7 +1411,7 @@
           <a:p>
             <a:fld id="{45827071-A2FE-4666-AA40-95ABAF366A4A}" type="datetimeFigureOut">
               <a:rPr lang="zh-CN" altLang="en-US" smtClean="0"/>
-              <a:t>2019.4.28</a:t>
+              <a:t>2019/4/30</a:t>
             </a:fld>
             <a:endParaRPr lang="zh-CN" altLang="en-US"/>
           </a:p>
@@ -1821,7 +1823,7 @@
           <a:p>
             <a:fld id="{45827071-A2FE-4666-AA40-95ABAF366A4A}" type="datetimeFigureOut">
               <a:rPr lang="zh-CN" altLang="en-US" smtClean="0"/>
-              <a:t>2019.4.28</a:t>
+              <a:t>2019/4/30</a:t>
             </a:fld>
             <a:endParaRPr lang="zh-CN" altLang="en-US"/>
           </a:p>
@@ -1962,7 +1964,7 @@
           <a:p>
             <a:fld id="{45827071-A2FE-4666-AA40-95ABAF366A4A}" type="datetimeFigureOut">
               <a:rPr lang="zh-CN" altLang="en-US" smtClean="0"/>
-              <a:t>2019.4.28</a:t>
+              <a:t>2019/4/30</a:t>
             </a:fld>
             <a:endParaRPr lang="zh-CN" altLang="en-US"/>
           </a:p>
@@ -2075,7 +2077,7 @@
           <a:p>
             <a:fld id="{45827071-A2FE-4666-AA40-95ABAF366A4A}" type="datetimeFigureOut">
               <a:rPr lang="zh-CN" altLang="en-US" smtClean="0"/>
-              <a:t>2019.4.28</a:t>
+              <a:t>2019/4/30</a:t>
             </a:fld>
             <a:endParaRPr lang="zh-CN" altLang="en-US"/>
           </a:p>
@@ -2386,7 +2388,7 @@
           <a:p>
             <a:fld id="{45827071-A2FE-4666-AA40-95ABAF366A4A}" type="datetimeFigureOut">
               <a:rPr lang="zh-CN" altLang="en-US" smtClean="0"/>
-              <a:t>2019.4.28</a:t>
+              <a:t>2019/4/30</a:t>
             </a:fld>
             <a:endParaRPr lang="zh-CN" altLang="en-US"/>
           </a:p>
@@ -2674,7 +2676,7 @@
           <a:p>
             <a:fld id="{45827071-A2FE-4666-AA40-95ABAF366A4A}" type="datetimeFigureOut">
               <a:rPr lang="zh-CN" altLang="en-US" smtClean="0"/>
-              <a:t>2019.4.28</a:t>
+              <a:t>2019/4/30</a:t>
             </a:fld>
             <a:endParaRPr lang="zh-CN" altLang="en-US"/>
           </a:p>
@@ -2915,7 +2917,7 @@
           <a:p>
             <a:fld id="{45827071-A2FE-4666-AA40-95ABAF366A4A}" type="datetimeFigureOut">
               <a:rPr lang="zh-CN" altLang="en-US" smtClean="0"/>
-              <a:t>2019.4.28</a:t>
+              <a:t>2019/4/30</a:t>
             </a:fld>
             <a:endParaRPr lang="zh-CN" altLang="en-US"/>
           </a:p>
@@ -3332,6 +3334,3447 @@
           <a:chExt cx="0" cy="0"/>
         </a:xfrm>
       </p:grpSpPr>
+      <p:sp>
+        <p:nvSpPr>
+          <p:cNvPr id="2" name="矩形 1">
+            <a:extLst>
+              <a:ext uri="{FF2B5EF4-FFF2-40B4-BE49-F238E27FC236}">
+                <a16:creationId xmlns:a16="http://schemas.microsoft.com/office/drawing/2014/main" id="{6F7D9B44-4B65-42E9-9407-6E40B8BA211A}"/>
+              </a:ext>
+            </a:extLst>
+          </p:cNvPr>
+          <p:cNvSpPr/>
+          <p:nvPr/>
+        </p:nvSpPr>
+        <p:spPr>
+          <a:xfrm>
+            <a:off x="967154" y="606669"/>
+            <a:ext cx="10032023" cy="5776546"/>
+          </a:xfrm>
+          <a:prstGeom prst="rect">
+            <a:avLst/>
+          </a:prstGeom>
+        </p:spPr>
+        <p:style>
+          <a:lnRef idx="2">
+            <a:schemeClr val="accent1">
+              <a:shade val="50000"/>
+            </a:schemeClr>
+          </a:lnRef>
+          <a:fillRef idx="1">
+            <a:schemeClr val="accent1"/>
+          </a:fillRef>
+          <a:effectRef idx="0">
+            <a:schemeClr val="accent1"/>
+          </a:effectRef>
+          <a:fontRef idx="minor">
+            <a:schemeClr val="lt1"/>
+          </a:fontRef>
+        </p:style>
+        <p:txBody>
+          <a:bodyPr rtlCol="0" anchor="ctr"/>
+          <a:lstStyle/>
+          <a:p>
+            <a:pPr algn="ctr"/>
+            <a:endParaRPr lang="zh-CN" altLang="en-US"/>
+          </a:p>
+        </p:txBody>
+      </p:sp>
+      <p:grpSp>
+        <p:nvGrpSpPr>
+          <p:cNvPr id="3" name="组合 2">
+            <a:extLst>
+              <a:ext uri="{FF2B5EF4-FFF2-40B4-BE49-F238E27FC236}">
+                <a16:creationId xmlns:a16="http://schemas.microsoft.com/office/drawing/2014/main" id="{D704FB22-214D-4982-8BF3-0493A66BCA8A}"/>
+              </a:ext>
+            </a:extLst>
+          </p:cNvPr>
+          <p:cNvGrpSpPr/>
+          <p:nvPr/>
+        </p:nvGrpSpPr>
+        <p:grpSpPr>
+          <a:xfrm>
+            <a:off x="2521114" y="779980"/>
+            <a:ext cx="3646465" cy="5058112"/>
+            <a:chOff x="3242309" y="1122901"/>
+            <a:chExt cx="4076103" cy="4929475"/>
+          </a:xfrm>
+        </p:grpSpPr>
+        <p:sp>
+          <p:nvSpPr>
+            <p:cNvPr id="4" name="矩形 3">
+              <a:extLst>
+                <a:ext uri="{FF2B5EF4-FFF2-40B4-BE49-F238E27FC236}">
+                  <a16:creationId xmlns:a16="http://schemas.microsoft.com/office/drawing/2014/main" id="{7A128DDA-AFAC-4DB4-9787-8FC6756EB2AE}"/>
+                </a:ext>
+              </a:extLst>
+            </p:cNvPr>
+            <p:cNvSpPr/>
+            <p:nvPr/>
+          </p:nvSpPr>
+          <p:spPr>
+            <a:xfrm>
+              <a:off x="3242309" y="1122901"/>
+              <a:ext cx="4076101" cy="303364"/>
+            </a:xfrm>
+            <a:prstGeom prst="rect">
+              <a:avLst/>
+            </a:prstGeom>
+            <a:solidFill>
+              <a:schemeClr val="bg1"/>
+            </a:solidFill>
+            <a:ln>
+              <a:solidFill>
+                <a:srgbClr val="5E5E5E"/>
+              </a:solidFill>
+            </a:ln>
+          </p:spPr>
+          <p:style>
+            <a:lnRef idx="2">
+              <a:schemeClr val="accent1">
+                <a:shade val="50000"/>
+              </a:schemeClr>
+            </a:lnRef>
+            <a:fillRef idx="1">
+              <a:schemeClr val="accent1"/>
+            </a:fillRef>
+            <a:effectRef idx="0">
+              <a:schemeClr val="accent1"/>
+            </a:effectRef>
+            <a:fontRef idx="minor">
+              <a:schemeClr val="lt1"/>
+            </a:fontRef>
+          </p:style>
+          <p:txBody>
+            <a:bodyPr rtlCol="0" anchor="ctr"/>
+            <a:lstStyle/>
+            <a:p>
+              <a:r>
+                <a:rPr lang="en-US" altLang="zh-CN" sz="1100">
+                  <a:solidFill>
+                    <a:srgbClr val="262727"/>
+                  </a:solidFill>
+                  <a:latin typeface="微软雅黑" panose="020B0503020204020204" pitchFamily="34" charset="-122"/>
+                  <a:ea typeface="微软雅黑" panose="020B0503020204020204" pitchFamily="34" charset="-122"/>
+                </a:rPr>
+                <a:t>       </a:t>
+              </a:r>
+              <a:r>
+                <a:rPr lang="zh-CN" altLang="en-US" sz="1100">
+                  <a:solidFill>
+                    <a:srgbClr val="262727"/>
+                  </a:solidFill>
+                  <a:latin typeface="微软雅黑" panose="020B0503020204020204" pitchFamily="34" charset="-122"/>
+                  <a:ea typeface="微软雅黑" panose="020B0503020204020204" pitchFamily="34" charset="-122"/>
+                </a:rPr>
+                <a:t>管理员</a:t>
+              </a:r>
+              <a:r>
+                <a:rPr lang="en-US" altLang="zh-CN" sz="1100">
+                  <a:solidFill>
+                    <a:srgbClr val="262727"/>
+                  </a:solidFill>
+                  <a:latin typeface="微软雅黑" panose="020B0503020204020204" pitchFamily="34" charset="-122"/>
+                  <a:ea typeface="微软雅黑" panose="020B0503020204020204" pitchFamily="34" charset="-122"/>
+                </a:rPr>
+                <a:t>: terminal</a:t>
+              </a:r>
+              <a:endParaRPr lang="zh-CN" altLang="en-US" sz="1100">
+                <a:solidFill>
+                  <a:srgbClr val="262727"/>
+                </a:solidFill>
+                <a:latin typeface="微软雅黑" panose="020B0503020204020204" pitchFamily="34" charset="-122"/>
+                <a:ea typeface="微软雅黑" panose="020B0503020204020204" pitchFamily="34" charset="-122"/>
+              </a:endParaRPr>
+            </a:p>
+          </p:txBody>
+        </p:sp>
+        <p:pic>
+          <p:nvPicPr>
+            <p:cNvPr id="5" name="图片 4">
+              <a:extLst>
+                <a:ext uri="{FF2B5EF4-FFF2-40B4-BE49-F238E27FC236}">
+                  <a16:creationId xmlns:a16="http://schemas.microsoft.com/office/drawing/2014/main" id="{06A71710-42FB-40C6-98A2-BD065C8EB399}"/>
+                </a:ext>
+              </a:extLst>
+            </p:cNvPr>
+            <p:cNvPicPr>
+              <a:picLocks noChangeAspect="1"/>
+            </p:cNvPicPr>
+            <p:nvPr/>
+          </p:nvPicPr>
+          <p:blipFill rotWithShape="1">
+            <a:blip r:embed="rId2"/>
+            <a:srcRect t="7406" b="12201"/>
+            <a:stretch/>
+          </p:blipFill>
+          <p:spPr>
+            <a:xfrm>
+              <a:off x="3303925" y="1188121"/>
+              <a:ext cx="238049" cy="177454"/>
+            </a:xfrm>
+            <a:prstGeom prst="rect">
+              <a:avLst/>
+            </a:prstGeom>
+          </p:spPr>
+        </p:pic>
+        <p:pic>
+          <p:nvPicPr>
+            <p:cNvPr id="6" name="图片 5">
+              <a:extLst>
+                <a:ext uri="{FF2B5EF4-FFF2-40B4-BE49-F238E27FC236}">
+                  <a16:creationId xmlns:a16="http://schemas.microsoft.com/office/drawing/2014/main" id="{45A5686E-B14A-4882-BFA1-7165502CDF31}"/>
+                </a:ext>
+              </a:extLst>
+            </p:cNvPr>
+            <p:cNvPicPr>
+              <a:picLocks noChangeAspect="1"/>
+            </p:cNvPicPr>
+            <p:nvPr/>
+          </p:nvPicPr>
+          <p:blipFill>
+            <a:blip r:embed="rId3"/>
+            <a:stretch>
+              <a:fillRect/>
+            </a:stretch>
+          </p:blipFill>
+          <p:spPr>
+            <a:xfrm>
+              <a:off x="5923375" y="1188121"/>
+              <a:ext cx="1370337" cy="177454"/>
+            </a:xfrm>
+            <a:prstGeom prst="rect">
+              <a:avLst/>
+            </a:prstGeom>
+          </p:spPr>
+        </p:pic>
+        <p:sp>
+          <p:nvSpPr>
+            <p:cNvPr id="7" name="矩形 6">
+              <a:extLst>
+                <a:ext uri="{FF2B5EF4-FFF2-40B4-BE49-F238E27FC236}">
+                  <a16:creationId xmlns:a16="http://schemas.microsoft.com/office/drawing/2014/main" id="{F22DBE4D-03D5-4A15-A4F5-C0210261F902}"/>
+                </a:ext>
+              </a:extLst>
+            </p:cNvPr>
+            <p:cNvSpPr/>
+            <p:nvPr/>
+          </p:nvSpPr>
+          <p:spPr>
+            <a:xfrm>
+              <a:off x="3242309" y="1426265"/>
+              <a:ext cx="4076101" cy="4626111"/>
+            </a:xfrm>
+            <a:prstGeom prst="rect">
+              <a:avLst/>
+            </a:prstGeom>
+            <a:solidFill>
+              <a:srgbClr val="111111"/>
+            </a:solidFill>
+            <a:ln>
+              <a:solidFill>
+                <a:srgbClr val="5E5E5E"/>
+              </a:solidFill>
+            </a:ln>
+          </p:spPr>
+          <p:style>
+            <a:lnRef idx="2">
+              <a:schemeClr val="accent1">
+                <a:shade val="50000"/>
+              </a:schemeClr>
+            </a:lnRef>
+            <a:fillRef idx="1">
+              <a:schemeClr val="accent1"/>
+            </a:fillRef>
+            <a:effectRef idx="0">
+              <a:schemeClr val="accent1"/>
+            </a:effectRef>
+            <a:fontRef idx="minor">
+              <a:schemeClr val="lt1"/>
+            </a:fontRef>
+          </p:style>
+          <p:txBody>
+            <a:bodyPr rtlCol="0" anchor="t" anchorCtr="0"/>
+            <a:lstStyle/>
+            <a:p>
+              <a:pPr>
+                <a:spcBef>
+                  <a:spcPts val="100"/>
+                </a:spcBef>
+              </a:pPr>
+              <a:r>
+                <a:rPr lang="zh-CN" altLang="en-US" sz="1200">
+                  <a:solidFill>
+                    <a:srgbClr val="C6C4C4"/>
+                  </a:solidFill>
+                  <a:latin typeface="Consolas" panose="020B0609020204030204" pitchFamily="49" charset="0"/>
+                  <a:ea typeface="微软雅黑" panose="020B0503020204020204" pitchFamily="34" charset="-122"/>
+                  <a:cs typeface="Consolas" panose="020B0609020204030204" pitchFamily="49" charset="0"/>
+                </a:rPr>
+                <a:t>测试探测参数 </a:t>
+              </a:r>
+              <a:r>
+                <a:rPr lang="en-US" altLang="zh-CN" sz="1200">
+                  <a:solidFill>
+                    <a:srgbClr val="C6C4C4"/>
+                  </a:solidFill>
+                  <a:latin typeface="Consolas" panose="020B0609020204030204" pitchFamily="49" charset="0"/>
+                  <a:ea typeface="微软雅黑" panose="020B0503020204020204" pitchFamily="34" charset="-122"/>
+                  <a:cs typeface="Consolas" panose="020B0609020204030204" pitchFamily="49" charset="0"/>
+                </a:rPr>
+                <a:t>= {</a:t>
+              </a:r>
+            </a:p>
+            <a:p>
+              <a:pPr>
+                <a:spcBef>
+                  <a:spcPts val="100"/>
+                </a:spcBef>
+              </a:pPr>
+              <a:r>
+                <a:rPr lang="en-US" altLang="zh-CN" sz="1200">
+                  <a:solidFill>
+                    <a:srgbClr val="C6C4C4"/>
+                  </a:solidFill>
+                  <a:latin typeface="Consolas" panose="020B0609020204030204" pitchFamily="49" charset="0"/>
+                  <a:ea typeface="微软雅黑" panose="020B0503020204020204" pitchFamily="34" charset="-122"/>
+                  <a:cs typeface="Consolas" panose="020B0609020204030204" pitchFamily="49" charset="0"/>
+                </a:rPr>
+                <a:t>   "probe_mode": "verticalDetection",</a:t>
+              </a:r>
+            </a:p>
+            <a:p>
+              <a:pPr>
+                <a:spcBef>
+                  <a:spcPts val="100"/>
+                </a:spcBef>
+              </a:pPr>
+              <a:r>
+                <a:rPr lang="en-US" altLang="zh-CN" sz="1200">
+                  <a:solidFill>
+                    <a:srgbClr val="C6C4C4"/>
+                  </a:solidFill>
+                  <a:latin typeface="Consolas" panose="020B0609020204030204" pitchFamily="49" charset="0"/>
+                  <a:ea typeface="微软雅黑" panose="020B0503020204020204" pitchFamily="34" charset="-122"/>
+                  <a:cs typeface="Consolas" panose="020B0609020204030204" pitchFamily="49" charset="0"/>
+                </a:rPr>
+                <a:t>   "send_recv_mode": "send_recv",</a:t>
+              </a:r>
+            </a:p>
+            <a:p>
+              <a:pPr>
+                <a:spcBef>
+                  <a:spcPts val="100"/>
+                </a:spcBef>
+              </a:pPr>
+              <a:r>
+                <a:rPr lang="en-US" altLang="zh-CN" sz="1200">
+                  <a:solidFill>
+                    <a:srgbClr val="C6C4C4"/>
+                  </a:solidFill>
+                  <a:latin typeface="Consolas" panose="020B0609020204030204" pitchFamily="49" charset="0"/>
+                  <a:ea typeface="微软雅黑" panose="020B0503020204020204" pitchFamily="34" charset="-122"/>
+                  <a:cs typeface="Consolas" panose="020B0609020204030204" pitchFamily="49" charset="0"/>
+                </a:rPr>
+                <a:t>   "probe_interval": 0,</a:t>
+              </a:r>
+            </a:p>
+            <a:p>
+              <a:pPr>
+                <a:spcBef>
+                  <a:spcPts val="100"/>
+                </a:spcBef>
+              </a:pPr>
+              <a:r>
+                <a:rPr lang="en-US" altLang="zh-CN" sz="1200">
+                  <a:solidFill>
+                    <a:srgbClr val="C6C4C4"/>
+                  </a:solidFill>
+                  <a:latin typeface="Consolas" panose="020B0609020204030204" pitchFamily="49" charset="0"/>
+                  <a:ea typeface="微软雅黑" panose="020B0503020204020204" pitchFamily="34" charset="-122"/>
+                  <a:cs typeface="Consolas" panose="020B0609020204030204" pitchFamily="49" charset="0"/>
+                </a:rPr>
+                <a:t>   "groups_number": 1,</a:t>
+              </a:r>
+            </a:p>
+            <a:p>
+              <a:pPr>
+                <a:spcBef>
+                  <a:spcPts val="100"/>
+                </a:spcBef>
+              </a:pPr>
+              <a:r>
+                <a:rPr lang="en-US" altLang="zh-CN" sz="1200">
+                  <a:solidFill>
+                    <a:srgbClr val="C6C4C4"/>
+                  </a:solidFill>
+                  <a:latin typeface="Consolas" panose="020B0609020204030204" pitchFamily="49" charset="0"/>
+                  <a:ea typeface="微软雅黑" panose="020B0503020204020204" pitchFamily="34" charset="-122"/>
+                  <a:cs typeface="Consolas" panose="020B0609020204030204" pitchFamily="49" charset="0"/>
+                </a:rPr>
+                <a:t>   "repetition_number": 32,</a:t>
+              </a:r>
+            </a:p>
+            <a:p>
+              <a:pPr>
+                <a:spcBef>
+                  <a:spcPts val="100"/>
+                </a:spcBef>
+              </a:pPr>
+              <a:r>
+                <a:rPr lang="en-US" altLang="zh-CN" sz="1200">
+                  <a:solidFill>
+                    <a:srgbClr val="C6C4C4"/>
+                  </a:solidFill>
+                  <a:latin typeface="Consolas" panose="020B0609020204030204" pitchFamily="49" charset="0"/>
+                  <a:ea typeface="微软雅黑" panose="020B0503020204020204" pitchFamily="34" charset="-122"/>
+                  <a:cs typeface="Consolas" panose="020B0609020204030204" pitchFamily="49" charset="0"/>
+                </a:rPr>
+                <a:t>   "freq_mode": "COS",</a:t>
+              </a:r>
+            </a:p>
+            <a:p>
+              <a:pPr>
+                <a:spcBef>
+                  <a:spcPts val="100"/>
+                </a:spcBef>
+              </a:pPr>
+              <a:r>
+                <a:rPr lang="en-US" altLang="zh-CN" sz="1200">
+                  <a:solidFill>
+                    <a:srgbClr val="C6C4C4"/>
+                  </a:solidFill>
+                  <a:latin typeface="Consolas" panose="020B0609020204030204" pitchFamily="49" charset="0"/>
+                  <a:ea typeface="微软雅黑" panose="020B0503020204020204" pitchFamily="34" charset="-122"/>
+                  <a:cs typeface="Consolas" panose="020B0609020204030204" pitchFamily="49" charset="0"/>
+                </a:rPr>
+                <a:t>   "freq_start": 2,</a:t>
+              </a:r>
+            </a:p>
+            <a:p>
+              <a:pPr>
+                <a:spcBef>
+                  <a:spcPts val="100"/>
+                </a:spcBef>
+              </a:pPr>
+              <a:r>
+                <a:rPr lang="en-US" altLang="zh-CN" sz="1200">
+                  <a:solidFill>
+                    <a:srgbClr val="C6C4C4"/>
+                  </a:solidFill>
+                  <a:latin typeface="Consolas" panose="020B0609020204030204" pitchFamily="49" charset="0"/>
+                  <a:ea typeface="微软雅黑" panose="020B0503020204020204" pitchFamily="34" charset="-122"/>
+                  <a:cs typeface="Consolas" panose="020B0609020204030204" pitchFamily="49" charset="0"/>
+                </a:rPr>
+                <a:t>   "freq_step": 0.05,</a:t>
+              </a:r>
+            </a:p>
+            <a:p>
+              <a:pPr>
+                <a:spcBef>
+                  <a:spcPts val="100"/>
+                </a:spcBef>
+              </a:pPr>
+              <a:r>
+                <a:rPr lang="en-US" altLang="zh-CN" sz="1200">
+                  <a:solidFill>
+                    <a:srgbClr val="C6C4C4"/>
+                  </a:solidFill>
+                  <a:latin typeface="Consolas" panose="020B0609020204030204" pitchFamily="49" charset="0"/>
+                  <a:ea typeface="微软雅黑" panose="020B0503020204020204" pitchFamily="34" charset="-122"/>
+                  <a:cs typeface="Consolas" panose="020B0609020204030204" pitchFamily="49" charset="0"/>
+                </a:rPr>
+                <a:t>   "freq_end": 20,</a:t>
+              </a:r>
+            </a:p>
+            <a:p>
+              <a:pPr>
+                <a:spcBef>
+                  <a:spcPts val="100"/>
+                </a:spcBef>
+              </a:pPr>
+              <a:r>
+                <a:rPr lang="en-US" altLang="zh-CN" sz="1200">
+                  <a:solidFill>
+                    <a:srgbClr val="C6C4C4"/>
+                  </a:solidFill>
+                  <a:latin typeface="Consolas" panose="020B0609020204030204" pitchFamily="49" charset="0"/>
+                  <a:ea typeface="微软雅黑" panose="020B0503020204020204" pitchFamily="34" charset="-122"/>
+                  <a:cs typeface="Consolas" panose="020B0609020204030204" pitchFamily="49" charset="0"/>
+                </a:rPr>
+                <a:t>   "code_id": 160001,</a:t>
+              </a:r>
+            </a:p>
+            <a:p>
+              <a:pPr>
+                <a:spcBef>
+                  <a:spcPts val="100"/>
+                </a:spcBef>
+              </a:pPr>
+              <a:r>
+                <a:rPr lang="en-US" altLang="zh-CN" sz="1200">
+                  <a:solidFill>
+                    <a:srgbClr val="C6C4C4"/>
+                  </a:solidFill>
+                  <a:latin typeface="Consolas" panose="020B0609020204030204" pitchFamily="49" charset="0"/>
+                  <a:ea typeface="微软雅黑" panose="020B0503020204020204" pitchFamily="34" charset="-122"/>
+                  <a:cs typeface="Consolas" panose="020B0609020204030204" pitchFamily="49" charset="0"/>
+                </a:rPr>
+                <a:t>   "code_duration": 25.6,</a:t>
+              </a:r>
+            </a:p>
+            <a:p>
+              <a:pPr>
+                <a:spcBef>
+                  <a:spcPts val="100"/>
+                </a:spcBef>
+              </a:pPr>
+              <a:r>
+                <a:rPr lang="en-US" altLang="zh-CN" sz="1200">
+                  <a:solidFill>
+                    <a:srgbClr val="C6C4C4"/>
+                  </a:solidFill>
+                  <a:latin typeface="Consolas" panose="020B0609020204030204" pitchFamily="49" charset="0"/>
+                  <a:ea typeface="微软雅黑" panose="020B0503020204020204" pitchFamily="34" charset="-122"/>
+                  <a:cs typeface="Consolas" panose="020B0609020204030204" pitchFamily="49" charset="0"/>
+                </a:rPr>
+                <a:t>   "pulse_length": 360</a:t>
+              </a:r>
+            </a:p>
+            <a:p>
+              <a:pPr>
+                <a:spcBef>
+                  <a:spcPts val="100"/>
+                </a:spcBef>
+              </a:pPr>
+              <a:r>
+                <a:rPr lang="en-US" altLang="zh-CN" sz="1200">
+                  <a:solidFill>
+                    <a:srgbClr val="C6C4C4"/>
+                  </a:solidFill>
+                  <a:latin typeface="Consolas" panose="020B0609020204030204" pitchFamily="49" charset="0"/>
+                  <a:ea typeface="微软雅黑" panose="020B0503020204020204" pitchFamily="34" charset="-122"/>
+                  <a:cs typeface="Consolas" panose="020B0609020204030204" pitchFamily="49" charset="0"/>
+                </a:rPr>
+                <a:t>}</a:t>
+              </a:r>
+            </a:p>
+            <a:p>
+              <a:pPr>
+                <a:spcBef>
+                  <a:spcPts val="100"/>
+                </a:spcBef>
+              </a:pPr>
+              <a:endParaRPr lang="en-US" altLang="zh-CN" sz="1200">
+                <a:solidFill>
+                  <a:srgbClr val="C6C4C4"/>
+                </a:solidFill>
+                <a:latin typeface="Consolas" panose="020B0609020204030204" pitchFamily="49" charset="0"/>
+                <a:ea typeface="微软雅黑" panose="020B0503020204020204" pitchFamily="34" charset="-122"/>
+                <a:cs typeface="Consolas" panose="020B0609020204030204" pitchFamily="49" charset="0"/>
+              </a:endParaRPr>
+            </a:p>
+            <a:p>
+              <a:pPr>
+                <a:spcBef>
+                  <a:spcPts val="100"/>
+                </a:spcBef>
+              </a:pPr>
+              <a:r>
+                <a:rPr lang="zh-CN" altLang="en-US" sz="1200">
+                  <a:solidFill>
+                    <a:srgbClr val="C6C4C4"/>
+                  </a:solidFill>
+                  <a:latin typeface="Consolas" panose="020B0609020204030204" pitchFamily="49" charset="0"/>
+                  <a:ea typeface="微软雅黑" panose="020B0503020204020204" pitchFamily="34" charset="-122"/>
+                  <a:cs typeface="Consolas" panose="020B0609020204030204" pitchFamily="49" charset="0"/>
+                </a:rPr>
+                <a:t>发送次数 </a:t>
+              </a:r>
+              <a:r>
+                <a:rPr lang="en-US" altLang="zh-CN" sz="1200">
+                  <a:solidFill>
+                    <a:srgbClr val="C6C4C4"/>
+                  </a:solidFill>
+                  <a:latin typeface="Consolas" panose="020B0609020204030204" pitchFamily="49" charset="0"/>
+                  <a:ea typeface="微软雅黑" panose="020B0503020204020204" pitchFamily="34" charset="-122"/>
+                  <a:cs typeface="Consolas" panose="020B0609020204030204" pitchFamily="49" charset="0"/>
+                </a:rPr>
+                <a:t>= 500</a:t>
+              </a:r>
+            </a:p>
+            <a:p>
+              <a:pPr>
+                <a:spcBef>
+                  <a:spcPts val="100"/>
+                </a:spcBef>
+              </a:pPr>
+              <a:r>
+                <a:rPr lang="zh-CN" altLang="en-US" sz="1200">
+                  <a:solidFill>
+                    <a:srgbClr val="C6C4C4"/>
+                  </a:solidFill>
+                  <a:latin typeface="Consolas" panose="020B0609020204030204" pitchFamily="49" charset="0"/>
+                  <a:ea typeface="微软雅黑" panose="020B0503020204020204" pitchFamily="34" charset="-122"/>
+                  <a:cs typeface="Consolas" panose="020B0609020204030204" pitchFamily="49" charset="0"/>
+                </a:rPr>
+                <a:t>接收次数 </a:t>
+              </a:r>
+              <a:r>
+                <a:rPr lang="en-US" altLang="zh-CN" sz="1200">
+                  <a:solidFill>
+                    <a:srgbClr val="C6C4C4"/>
+                  </a:solidFill>
+                  <a:latin typeface="Consolas" panose="020B0609020204030204" pitchFamily="49" charset="0"/>
+                  <a:ea typeface="微软雅黑" panose="020B0503020204020204" pitchFamily="34" charset="-122"/>
+                  <a:cs typeface="Consolas" panose="020B0609020204030204" pitchFamily="49" charset="0"/>
+                </a:rPr>
+                <a:t>= 500</a:t>
+              </a:r>
+            </a:p>
+            <a:p>
+              <a:pPr>
+                <a:spcBef>
+                  <a:spcPts val="100"/>
+                </a:spcBef>
+              </a:pPr>
+              <a:r>
+                <a:rPr lang="zh-CN" altLang="en-US" sz="1200">
+                  <a:solidFill>
+                    <a:srgbClr val="C6C4C4"/>
+                  </a:solidFill>
+                  <a:latin typeface="Consolas" panose="020B0609020204030204" pitchFamily="49" charset="0"/>
+                  <a:ea typeface="微软雅黑" panose="020B0503020204020204" pitchFamily="34" charset="-122"/>
+                  <a:cs typeface="Consolas" panose="020B0609020204030204" pitchFamily="49" charset="0"/>
+                </a:rPr>
+                <a:t>出错次数 </a:t>
+              </a:r>
+              <a:r>
+                <a:rPr lang="en-US" altLang="zh-CN" sz="1200">
+                  <a:solidFill>
+                    <a:srgbClr val="C6C4C4"/>
+                  </a:solidFill>
+                  <a:latin typeface="Consolas" panose="020B0609020204030204" pitchFamily="49" charset="0"/>
+                  <a:ea typeface="微软雅黑" panose="020B0503020204020204" pitchFamily="34" charset="-122"/>
+                  <a:cs typeface="Consolas" panose="020B0609020204030204" pitchFamily="49" charset="0"/>
+                </a:rPr>
+                <a:t>= 0</a:t>
+              </a:r>
+            </a:p>
+            <a:p>
+              <a:pPr>
+                <a:spcBef>
+                  <a:spcPts val="100"/>
+                </a:spcBef>
+              </a:pPr>
+              <a:r>
+                <a:rPr lang="zh-CN" altLang="en-US" sz="1200">
+                  <a:solidFill>
+                    <a:srgbClr val="C6C4C4"/>
+                  </a:solidFill>
+                  <a:latin typeface="Consolas" panose="020B0609020204030204" pitchFamily="49" charset="0"/>
+                  <a:ea typeface="微软雅黑" panose="020B0503020204020204" pitchFamily="34" charset="-122"/>
+                  <a:cs typeface="Consolas" panose="020B0609020204030204" pitchFamily="49" charset="0"/>
+                </a:rPr>
+                <a:t>正确率   </a:t>
+              </a:r>
+              <a:r>
+                <a:rPr lang="en-US" altLang="zh-CN" sz="1200">
+                  <a:solidFill>
+                    <a:srgbClr val="C6C4C4"/>
+                  </a:solidFill>
+                  <a:latin typeface="Consolas" panose="020B0609020204030204" pitchFamily="49" charset="0"/>
+                  <a:ea typeface="微软雅黑" panose="020B0503020204020204" pitchFamily="34" charset="-122"/>
+                  <a:cs typeface="Consolas" panose="020B0609020204030204" pitchFamily="49" charset="0"/>
+                </a:rPr>
+                <a:t>= 100%</a:t>
+              </a:r>
+            </a:p>
+            <a:p>
+              <a:pPr>
+                <a:spcBef>
+                  <a:spcPts val="100"/>
+                </a:spcBef>
+              </a:pPr>
+              <a:endParaRPr lang="en-US" altLang="zh-CN" sz="1200">
+                <a:solidFill>
+                  <a:srgbClr val="C6C4C4"/>
+                </a:solidFill>
+                <a:latin typeface="Consolas" panose="020B0609020204030204" pitchFamily="49" charset="0"/>
+                <a:ea typeface="微软雅黑" panose="020B0503020204020204" pitchFamily="34" charset="-122"/>
+                <a:cs typeface="Consolas" panose="020B0609020204030204" pitchFamily="49" charset="0"/>
+              </a:endParaRPr>
+            </a:p>
+            <a:p>
+              <a:pPr>
+                <a:spcBef>
+                  <a:spcPts val="100"/>
+                </a:spcBef>
+              </a:pPr>
+              <a:endParaRPr lang="en-US" altLang="zh-CN" sz="1200">
+                <a:solidFill>
+                  <a:srgbClr val="C6C4C4"/>
+                </a:solidFill>
+                <a:latin typeface="Consolas" panose="020B0609020204030204" pitchFamily="49" charset="0"/>
+                <a:ea typeface="微软雅黑" panose="020B0503020204020204" pitchFamily="34" charset="-122"/>
+                <a:cs typeface="Consolas" panose="020B0609020204030204" pitchFamily="49" charset="0"/>
+              </a:endParaRPr>
+            </a:p>
+            <a:p>
+              <a:pPr>
+                <a:spcBef>
+                  <a:spcPts val="100"/>
+                </a:spcBef>
+              </a:pPr>
+              <a:endParaRPr lang="zh-CN" altLang="en-US" sz="1200">
+                <a:solidFill>
+                  <a:srgbClr val="C6C4C4"/>
+                </a:solidFill>
+                <a:latin typeface="Consolas" panose="020B0609020204030204" pitchFamily="49" charset="0"/>
+                <a:ea typeface="微软雅黑" panose="020B0503020204020204" pitchFamily="34" charset="-122"/>
+                <a:cs typeface="Consolas" panose="020B0609020204030204" pitchFamily="49" charset="0"/>
+              </a:endParaRPr>
+            </a:p>
+          </p:txBody>
+        </p:sp>
+        <p:cxnSp>
+          <p:nvCxnSpPr>
+            <p:cNvPr id="8" name="直接连接符 7">
+              <a:extLst>
+                <a:ext uri="{FF2B5EF4-FFF2-40B4-BE49-F238E27FC236}">
+                  <a16:creationId xmlns:a16="http://schemas.microsoft.com/office/drawing/2014/main" id="{C4EB8931-4093-4500-B438-B1082EB68881}"/>
+                </a:ext>
+              </a:extLst>
+            </p:cNvPr>
+            <p:cNvCxnSpPr>
+              <a:cxnSpLocks/>
+            </p:cNvCxnSpPr>
+            <p:nvPr/>
+          </p:nvCxnSpPr>
+          <p:spPr>
+            <a:xfrm>
+              <a:off x="3348777" y="5224098"/>
+              <a:ext cx="0" cy="151888"/>
+            </a:xfrm>
+            <a:prstGeom prst="line">
+              <a:avLst/>
+            </a:prstGeom>
+            <a:ln w="15875">
+              <a:solidFill>
+                <a:schemeClr val="bg1">
+                  <a:lumMod val="95000"/>
+                </a:schemeClr>
+              </a:solidFill>
+            </a:ln>
+          </p:spPr>
+          <p:style>
+            <a:lnRef idx="1">
+              <a:schemeClr val="accent1"/>
+            </a:lnRef>
+            <a:fillRef idx="0">
+              <a:schemeClr val="accent1"/>
+            </a:fillRef>
+            <a:effectRef idx="0">
+              <a:schemeClr val="accent1"/>
+            </a:effectRef>
+            <a:fontRef idx="minor">
+              <a:schemeClr val="tx1"/>
+            </a:fontRef>
+          </p:style>
+        </p:cxnSp>
+        <p:pic>
+          <p:nvPicPr>
+            <p:cNvPr id="9" name="图片 8">
+              <a:extLst>
+                <a:ext uri="{FF2B5EF4-FFF2-40B4-BE49-F238E27FC236}">
+                  <a16:creationId xmlns:a16="http://schemas.microsoft.com/office/drawing/2014/main" id="{B6C16F00-99DF-4ECF-9358-E19DFA6496F6}"/>
+                </a:ext>
+              </a:extLst>
+            </p:cNvPr>
+            <p:cNvPicPr>
+              <a:picLocks noChangeAspect="1"/>
+            </p:cNvPicPr>
+            <p:nvPr/>
+          </p:nvPicPr>
+          <p:blipFill rotWithShape="1">
+            <a:blip r:embed="rId4"/>
+            <a:srcRect l="96005" t="6047" r="574" b="486"/>
+            <a:stretch/>
+          </p:blipFill>
+          <p:spPr>
+            <a:xfrm>
+              <a:off x="7163327" y="1426264"/>
+              <a:ext cx="155085" cy="4626111"/>
+            </a:xfrm>
+            <a:prstGeom prst="rect">
+              <a:avLst/>
+            </a:prstGeom>
+          </p:spPr>
+        </p:pic>
+      </p:grpSp>
+    </p:spTree>
+    <p:extLst>
+      <p:ext uri="{BB962C8B-B14F-4D97-AF65-F5344CB8AC3E}">
+        <p14:creationId xmlns:p14="http://schemas.microsoft.com/office/powerpoint/2010/main" val="2390582493"/>
+      </p:ext>
+    </p:extLst>
+  </p:cSld>
+  <p:clrMapOvr>
+    <a:masterClrMapping/>
+  </p:clrMapOvr>
+</p:sld>
+</file>
+
+<file path=ppt/slides/slide2.xml><?xml version="1.0" encoding="utf-8"?>
+<p:sld xmlns:a="http://schemas.openxmlformats.org/drawingml/2006/main" xmlns:r="http://schemas.openxmlformats.org/officeDocument/2006/relationships" xmlns:p="http://schemas.openxmlformats.org/presentationml/2006/main">
+  <p:cSld>
+    <p:spTree>
+      <p:nvGrpSpPr>
+        <p:cNvPr id="1" name=""/>
+        <p:cNvGrpSpPr/>
+        <p:nvPr/>
+      </p:nvGrpSpPr>
+      <p:grpSpPr>
+        <a:xfrm>
+          <a:off x="0" y="0"/>
+          <a:ext cx="0" cy="0"/>
+          <a:chOff x="0" y="0"/>
+          <a:chExt cx="0" cy="0"/>
+        </a:xfrm>
+      </p:grpSpPr>
+      <p:sp>
+        <p:nvSpPr>
+          <p:cNvPr id="23" name="矩形 22">
+            <a:extLst>
+              <a:ext uri="{FF2B5EF4-FFF2-40B4-BE49-F238E27FC236}">
+                <a16:creationId xmlns:a16="http://schemas.microsoft.com/office/drawing/2014/main" id="{F29E9FC3-7872-4CE9-AA57-9C06115727A9}"/>
+              </a:ext>
+            </a:extLst>
+          </p:cNvPr>
+          <p:cNvSpPr/>
+          <p:nvPr/>
+        </p:nvSpPr>
+        <p:spPr>
+          <a:xfrm>
+            <a:off x="3953163" y="756136"/>
+            <a:ext cx="7532983" cy="5624609"/>
+          </a:xfrm>
+          <a:prstGeom prst="rect">
+            <a:avLst/>
+          </a:prstGeom>
+          <a:solidFill>
+            <a:schemeClr val="bg1"/>
+          </a:solidFill>
+          <a:ln>
+            <a:noFill/>
+          </a:ln>
+        </p:spPr>
+        <p:style>
+          <a:lnRef idx="2">
+            <a:schemeClr val="accent1">
+              <a:shade val="50000"/>
+            </a:schemeClr>
+          </a:lnRef>
+          <a:fillRef idx="1">
+            <a:schemeClr val="accent1"/>
+          </a:fillRef>
+          <a:effectRef idx="0">
+            <a:schemeClr val="accent1"/>
+          </a:effectRef>
+          <a:fontRef idx="minor">
+            <a:schemeClr val="lt1"/>
+          </a:fontRef>
+        </p:style>
+        <p:txBody>
+          <a:bodyPr rtlCol="0" anchor="ctr"/>
+          <a:lstStyle/>
+          <a:p>
+            <a:pPr algn="ctr"/>
+            <a:endParaRPr lang="zh-CN" altLang="en-US">
+              <a:solidFill>
+                <a:schemeClr val="tx1"/>
+              </a:solidFill>
+            </a:endParaRPr>
+          </a:p>
+        </p:txBody>
+      </p:sp>
+      <p:sp>
+        <p:nvSpPr>
+          <p:cNvPr id="21" name="矩形 20">
+            <a:extLst>
+              <a:ext uri="{FF2B5EF4-FFF2-40B4-BE49-F238E27FC236}">
+                <a16:creationId xmlns:a16="http://schemas.microsoft.com/office/drawing/2014/main" id="{1D42B97F-296F-4128-BF4E-43D8B663ECC5}"/>
+              </a:ext>
+            </a:extLst>
+          </p:cNvPr>
+          <p:cNvSpPr/>
+          <p:nvPr/>
+        </p:nvSpPr>
+        <p:spPr>
+          <a:xfrm>
+            <a:off x="705852" y="756137"/>
+            <a:ext cx="3247312" cy="5624609"/>
+          </a:xfrm>
+          <a:prstGeom prst="rect">
+            <a:avLst/>
+          </a:prstGeom>
+          <a:solidFill>
+            <a:schemeClr val="bg1">
+              <a:lumMod val="95000"/>
+            </a:schemeClr>
+          </a:solidFill>
+          <a:ln>
+            <a:noFill/>
+          </a:ln>
+        </p:spPr>
+        <p:style>
+          <a:lnRef idx="2">
+            <a:schemeClr val="accent1">
+              <a:shade val="50000"/>
+            </a:schemeClr>
+          </a:lnRef>
+          <a:fillRef idx="1">
+            <a:schemeClr val="accent1"/>
+          </a:fillRef>
+          <a:effectRef idx="0">
+            <a:schemeClr val="accent1"/>
+          </a:effectRef>
+          <a:fontRef idx="minor">
+            <a:schemeClr val="lt1"/>
+          </a:fontRef>
+        </p:style>
+        <p:txBody>
+          <a:bodyPr rtlCol="0" anchor="ctr"/>
+          <a:lstStyle/>
+          <a:p>
+            <a:pPr algn="ctr"/>
+            <a:endParaRPr lang="zh-CN" altLang="en-US">
+              <a:solidFill>
+                <a:schemeClr val="tx1"/>
+              </a:solidFill>
+            </a:endParaRPr>
+          </a:p>
+        </p:txBody>
+      </p:sp>
+      <p:sp>
+        <p:nvSpPr>
+          <p:cNvPr id="4" name="矩形 3">
+            <a:extLst>
+              <a:ext uri="{FF2B5EF4-FFF2-40B4-BE49-F238E27FC236}">
+                <a16:creationId xmlns:a16="http://schemas.microsoft.com/office/drawing/2014/main" id="{50F4BE72-0253-474C-9CBB-6E16E2A52C12}"/>
+              </a:ext>
+            </a:extLst>
+          </p:cNvPr>
+          <p:cNvSpPr/>
+          <p:nvPr/>
+        </p:nvSpPr>
+        <p:spPr>
+          <a:xfrm>
+            <a:off x="705852" y="477252"/>
+            <a:ext cx="10780295" cy="5903495"/>
+          </a:xfrm>
+          <a:prstGeom prst="rect">
+            <a:avLst/>
+          </a:prstGeom>
+          <a:noFill/>
+          <a:ln>
+            <a:solidFill>
+              <a:schemeClr val="bg2">
+                <a:lumMod val="50000"/>
+              </a:schemeClr>
+            </a:solidFill>
+          </a:ln>
+        </p:spPr>
+        <p:style>
+          <a:lnRef idx="2">
+            <a:schemeClr val="accent1">
+              <a:shade val="50000"/>
+            </a:schemeClr>
+          </a:lnRef>
+          <a:fillRef idx="1">
+            <a:schemeClr val="accent1"/>
+          </a:fillRef>
+          <a:effectRef idx="0">
+            <a:schemeClr val="accent1"/>
+          </a:effectRef>
+          <a:fontRef idx="minor">
+            <a:schemeClr val="lt1"/>
+          </a:fontRef>
+        </p:style>
+        <p:txBody>
+          <a:bodyPr rtlCol="0" anchor="ctr"/>
+          <a:lstStyle/>
+          <a:p>
+            <a:pPr algn="ctr"/>
+            <a:endParaRPr lang="zh-CN" altLang="en-US">
+              <a:solidFill>
+                <a:schemeClr val="tx1"/>
+              </a:solidFill>
+            </a:endParaRPr>
+          </a:p>
+        </p:txBody>
+      </p:sp>
+      <p:sp>
+        <p:nvSpPr>
+          <p:cNvPr id="5" name="矩形 4">
+            <a:extLst>
+              <a:ext uri="{FF2B5EF4-FFF2-40B4-BE49-F238E27FC236}">
+                <a16:creationId xmlns:a16="http://schemas.microsoft.com/office/drawing/2014/main" id="{4928C3D3-427E-4AFF-8F4F-CBA46440A8F9}"/>
+              </a:ext>
+            </a:extLst>
+          </p:cNvPr>
+          <p:cNvSpPr/>
+          <p:nvPr/>
+        </p:nvSpPr>
+        <p:spPr>
+          <a:xfrm>
+            <a:off x="705852" y="477253"/>
+            <a:ext cx="10780295" cy="278885"/>
+          </a:xfrm>
+          <a:prstGeom prst="rect">
+            <a:avLst/>
+          </a:prstGeom>
+          <a:solidFill>
+            <a:schemeClr val="bg1"/>
+          </a:solidFill>
+          <a:ln>
+            <a:solidFill>
+              <a:schemeClr val="bg2">
+                <a:lumMod val="50000"/>
+              </a:schemeClr>
+            </a:solidFill>
+          </a:ln>
+        </p:spPr>
+        <p:style>
+          <a:lnRef idx="2">
+            <a:schemeClr val="accent1">
+              <a:shade val="50000"/>
+            </a:schemeClr>
+          </a:lnRef>
+          <a:fillRef idx="1">
+            <a:schemeClr val="accent1"/>
+          </a:fillRef>
+          <a:effectRef idx="0">
+            <a:schemeClr val="accent1"/>
+          </a:effectRef>
+          <a:fontRef idx="minor">
+            <a:schemeClr val="lt1"/>
+          </a:fontRef>
+        </p:style>
+        <p:txBody>
+          <a:bodyPr rtlCol="0" anchor="ctr"/>
+          <a:lstStyle/>
+          <a:p>
+            <a:r>
+              <a:rPr lang="en-US" altLang="zh-CN" sz="1000">
+                <a:solidFill>
+                  <a:schemeClr val="tx1"/>
+                </a:solidFill>
+                <a:latin typeface="微软雅黑" panose="020B0503020204020204" pitchFamily="34" charset="-122"/>
+                <a:ea typeface="微软雅黑" panose="020B0503020204020204" pitchFamily="34" charset="-122"/>
+              </a:rPr>
+              <a:t>        Sorting System</a:t>
+            </a:r>
+            <a:endParaRPr lang="zh-CN" altLang="en-US" sz="1000">
+              <a:solidFill>
+                <a:schemeClr val="tx1"/>
+              </a:solidFill>
+              <a:latin typeface="微软雅黑" panose="020B0503020204020204" pitchFamily="34" charset="-122"/>
+              <a:ea typeface="微软雅黑" panose="020B0503020204020204" pitchFamily="34" charset="-122"/>
+            </a:endParaRPr>
+          </a:p>
+        </p:txBody>
+      </p:sp>
+      <p:sp>
+        <p:nvSpPr>
+          <p:cNvPr id="6" name="十字形 5">
+            <a:extLst>
+              <a:ext uri="{FF2B5EF4-FFF2-40B4-BE49-F238E27FC236}">
+                <a16:creationId xmlns:a16="http://schemas.microsoft.com/office/drawing/2014/main" id="{7322F4B3-FC55-4D5D-9FBC-96EC0BD43775}"/>
+              </a:ext>
+            </a:extLst>
+          </p:cNvPr>
+          <p:cNvSpPr/>
+          <p:nvPr/>
+        </p:nvSpPr>
+        <p:spPr>
+          <a:xfrm rot="18900000">
+            <a:off x="11233682" y="561287"/>
+            <a:ext cx="139842" cy="139842"/>
+          </a:xfrm>
+          <a:prstGeom prst="plus">
+            <a:avLst>
+              <a:gd name="adj" fmla="val 44697"/>
+            </a:avLst>
+          </a:prstGeom>
+          <a:solidFill>
+            <a:schemeClr val="bg2">
+              <a:lumMod val="50000"/>
+            </a:schemeClr>
+          </a:solidFill>
+          <a:ln>
+            <a:noFill/>
+          </a:ln>
+        </p:spPr>
+        <p:style>
+          <a:lnRef idx="2">
+            <a:schemeClr val="accent1">
+              <a:shade val="50000"/>
+            </a:schemeClr>
+          </a:lnRef>
+          <a:fillRef idx="1">
+            <a:schemeClr val="accent1"/>
+          </a:fillRef>
+          <a:effectRef idx="0">
+            <a:schemeClr val="accent1"/>
+          </a:effectRef>
+          <a:fontRef idx="minor">
+            <a:schemeClr val="lt1"/>
+          </a:fontRef>
+        </p:style>
+        <p:txBody>
+          <a:bodyPr rtlCol="0" anchor="ctr"/>
+          <a:lstStyle/>
+          <a:p>
+            <a:pPr algn="ctr"/>
+            <a:endParaRPr lang="zh-CN" altLang="en-US">
+              <a:solidFill>
+                <a:schemeClr val="tx1"/>
+              </a:solidFill>
+            </a:endParaRPr>
+          </a:p>
+        </p:txBody>
+      </p:sp>
+      <p:sp>
+        <p:nvSpPr>
+          <p:cNvPr id="7" name="图文框 6">
+            <a:extLst>
+              <a:ext uri="{FF2B5EF4-FFF2-40B4-BE49-F238E27FC236}">
+                <a16:creationId xmlns:a16="http://schemas.microsoft.com/office/drawing/2014/main" id="{218F79DE-BA2A-4374-94FC-7B4BA93D1051}"/>
+              </a:ext>
+            </a:extLst>
+          </p:cNvPr>
+          <p:cNvSpPr/>
+          <p:nvPr/>
+        </p:nvSpPr>
+        <p:spPr>
+          <a:xfrm>
+            <a:off x="10984912" y="580858"/>
+            <a:ext cx="100701" cy="100701"/>
+          </a:xfrm>
+          <a:prstGeom prst="frame">
+            <a:avLst/>
+          </a:prstGeom>
+          <a:solidFill>
+            <a:schemeClr val="bg2">
+              <a:lumMod val="50000"/>
+            </a:schemeClr>
+          </a:solidFill>
+          <a:ln>
+            <a:noFill/>
+          </a:ln>
+        </p:spPr>
+        <p:style>
+          <a:lnRef idx="2">
+            <a:schemeClr val="accent1">
+              <a:shade val="50000"/>
+            </a:schemeClr>
+          </a:lnRef>
+          <a:fillRef idx="1">
+            <a:schemeClr val="accent1"/>
+          </a:fillRef>
+          <a:effectRef idx="0">
+            <a:schemeClr val="accent1"/>
+          </a:effectRef>
+          <a:fontRef idx="minor">
+            <a:schemeClr val="lt1"/>
+          </a:fontRef>
+        </p:style>
+        <p:txBody>
+          <a:bodyPr rtlCol="0" anchor="ctr"/>
+          <a:lstStyle/>
+          <a:p>
+            <a:pPr algn="ctr"/>
+            <a:endParaRPr lang="zh-CN" altLang="en-US">
+              <a:solidFill>
+                <a:schemeClr val="tx1"/>
+              </a:solidFill>
+            </a:endParaRPr>
+          </a:p>
+        </p:txBody>
+      </p:sp>
+      <p:sp>
+        <p:nvSpPr>
+          <p:cNvPr id="8" name="矩形 7">
+            <a:extLst>
+              <a:ext uri="{FF2B5EF4-FFF2-40B4-BE49-F238E27FC236}">
+                <a16:creationId xmlns:a16="http://schemas.microsoft.com/office/drawing/2014/main" id="{0238CC11-D8FA-4A38-8A57-E0FB2FA07F13}"/>
+              </a:ext>
+            </a:extLst>
+          </p:cNvPr>
+          <p:cNvSpPr/>
+          <p:nvPr/>
+        </p:nvSpPr>
+        <p:spPr>
+          <a:xfrm rot="10800000" flipV="1">
+            <a:off x="10728844" y="652645"/>
+            <a:ext cx="108000" cy="14400"/>
+          </a:xfrm>
+          <a:prstGeom prst="rect">
+            <a:avLst/>
+          </a:prstGeom>
+          <a:solidFill>
+            <a:schemeClr val="bg2">
+              <a:lumMod val="50000"/>
+            </a:schemeClr>
+          </a:solidFill>
+          <a:ln>
+            <a:noFill/>
+          </a:ln>
+        </p:spPr>
+        <p:style>
+          <a:lnRef idx="2">
+            <a:schemeClr val="accent1">
+              <a:shade val="50000"/>
+            </a:schemeClr>
+          </a:lnRef>
+          <a:fillRef idx="1">
+            <a:schemeClr val="accent1"/>
+          </a:fillRef>
+          <a:effectRef idx="0">
+            <a:schemeClr val="accent1"/>
+          </a:effectRef>
+          <a:fontRef idx="minor">
+            <a:schemeClr val="lt1"/>
+          </a:fontRef>
+        </p:style>
+        <p:txBody>
+          <a:bodyPr rtlCol="0" anchor="ctr"/>
+          <a:lstStyle/>
+          <a:p>
+            <a:pPr algn="ctr"/>
+            <a:endParaRPr lang="zh-CN" altLang="en-US">
+              <a:solidFill>
+                <a:schemeClr val="tx1"/>
+              </a:solidFill>
+            </a:endParaRPr>
+          </a:p>
+        </p:txBody>
+      </p:sp>
+      <p:pic>
+        <p:nvPicPr>
+          <p:cNvPr id="19" name="图片 18">
+            <a:extLst>
+              <a:ext uri="{FF2B5EF4-FFF2-40B4-BE49-F238E27FC236}">
+                <a16:creationId xmlns:a16="http://schemas.microsoft.com/office/drawing/2014/main" id="{CE628266-5FAC-4201-A89B-35589C66D6DC}"/>
+              </a:ext>
+            </a:extLst>
+          </p:cNvPr>
+          <p:cNvPicPr>
+            <a:picLocks noChangeAspect="1"/>
+          </p:cNvPicPr>
+          <p:nvPr/>
+        </p:nvPicPr>
+        <p:blipFill>
+          <a:blip r:embed="rId2"/>
+          <a:stretch>
+            <a:fillRect/>
+          </a:stretch>
+        </p:blipFill>
+        <p:spPr>
+          <a:xfrm>
+            <a:off x="817221" y="544319"/>
+            <a:ext cx="197768" cy="132250"/>
+          </a:xfrm>
+          <a:prstGeom prst="rect">
+            <a:avLst/>
+          </a:prstGeom>
+        </p:spPr>
+      </p:pic>
+      <p:sp>
+        <p:nvSpPr>
+          <p:cNvPr id="24" name="矩形 23">
+            <a:extLst>
+              <a:ext uri="{FF2B5EF4-FFF2-40B4-BE49-F238E27FC236}">
+                <a16:creationId xmlns:a16="http://schemas.microsoft.com/office/drawing/2014/main" id="{F3145DB5-D7D8-4B28-9AA8-F1FFA9F7278E}"/>
+              </a:ext>
+            </a:extLst>
+          </p:cNvPr>
+          <p:cNvSpPr/>
+          <p:nvPr/>
+        </p:nvSpPr>
+        <p:spPr>
+          <a:xfrm>
+            <a:off x="1658139" y="5822979"/>
+            <a:ext cx="1024827" cy="278884"/>
+          </a:xfrm>
+          <a:prstGeom prst="rect">
+            <a:avLst/>
+          </a:prstGeom>
+          <a:solidFill>
+            <a:srgbClr val="0070C0"/>
+          </a:solidFill>
+          <a:ln>
+            <a:solidFill>
+              <a:schemeClr val="bg2">
+                <a:lumMod val="25000"/>
+              </a:schemeClr>
+            </a:solidFill>
+          </a:ln>
+        </p:spPr>
+        <p:style>
+          <a:lnRef idx="2">
+            <a:schemeClr val="accent1">
+              <a:shade val="50000"/>
+            </a:schemeClr>
+          </a:lnRef>
+          <a:fillRef idx="1">
+            <a:schemeClr val="accent1"/>
+          </a:fillRef>
+          <a:effectRef idx="0">
+            <a:schemeClr val="accent1"/>
+          </a:effectRef>
+          <a:fontRef idx="minor">
+            <a:schemeClr val="lt1"/>
+          </a:fontRef>
+        </p:style>
+        <p:txBody>
+          <a:bodyPr rtlCol="0" anchor="ctr"/>
+          <a:lstStyle/>
+          <a:p>
+            <a:pPr algn="ctr"/>
+            <a:r>
+              <a:rPr lang="en-US" altLang="zh-CN" sz="1000">
+                <a:solidFill>
+                  <a:schemeClr val="bg1"/>
+                </a:solidFill>
+                <a:latin typeface="微软雅黑" panose="020B0503020204020204" pitchFamily="34" charset="-122"/>
+                <a:ea typeface="微软雅黑" panose="020B0503020204020204" pitchFamily="34" charset="-122"/>
+              </a:rPr>
+              <a:t>START</a:t>
+            </a:r>
+            <a:endParaRPr lang="zh-CN" altLang="en-US" sz="1000">
+              <a:solidFill>
+                <a:schemeClr val="bg1"/>
+              </a:solidFill>
+              <a:latin typeface="微软雅黑" panose="020B0503020204020204" pitchFamily="34" charset="-122"/>
+              <a:ea typeface="微软雅黑" panose="020B0503020204020204" pitchFamily="34" charset="-122"/>
+            </a:endParaRPr>
+          </a:p>
+        </p:txBody>
+      </p:sp>
+      <p:sp>
+        <p:nvSpPr>
+          <p:cNvPr id="25" name="矩形 24">
+            <a:extLst>
+              <a:ext uri="{FF2B5EF4-FFF2-40B4-BE49-F238E27FC236}">
+                <a16:creationId xmlns:a16="http://schemas.microsoft.com/office/drawing/2014/main" id="{B4A55697-0330-4991-AD57-379A800A723B}"/>
+              </a:ext>
+            </a:extLst>
+          </p:cNvPr>
+          <p:cNvSpPr/>
+          <p:nvPr/>
+        </p:nvSpPr>
+        <p:spPr>
+          <a:xfrm>
+            <a:off x="844927" y="4221232"/>
+            <a:ext cx="813212" cy="278886"/>
+          </a:xfrm>
+          <a:prstGeom prst="rect">
+            <a:avLst/>
+          </a:prstGeom>
+          <a:noFill/>
+          <a:ln>
+            <a:noFill/>
+          </a:ln>
+        </p:spPr>
+        <p:style>
+          <a:lnRef idx="2">
+            <a:schemeClr val="accent1">
+              <a:shade val="50000"/>
+            </a:schemeClr>
+          </a:lnRef>
+          <a:fillRef idx="1">
+            <a:schemeClr val="accent1"/>
+          </a:fillRef>
+          <a:effectRef idx="0">
+            <a:schemeClr val="accent1"/>
+          </a:effectRef>
+          <a:fontRef idx="minor">
+            <a:schemeClr val="lt1"/>
+          </a:fontRef>
+        </p:style>
+        <p:txBody>
+          <a:bodyPr rtlCol="0" anchor="ctr"/>
+          <a:lstStyle/>
+          <a:p>
+            <a:pPr algn="r"/>
+            <a:r>
+              <a:rPr lang="en-US" altLang="zh-CN" sz="1000">
+                <a:solidFill>
+                  <a:schemeClr val="tx1"/>
+                </a:solidFill>
+                <a:latin typeface="微软雅黑" panose="020B0503020204020204" pitchFamily="34" charset="-122"/>
+                <a:ea typeface="微软雅黑" panose="020B0503020204020204" pitchFamily="34" charset="-122"/>
+              </a:rPr>
+              <a:t>Robots :</a:t>
+            </a:r>
+            <a:endParaRPr lang="zh-CN" altLang="en-US" sz="1000">
+              <a:solidFill>
+                <a:schemeClr val="tx1"/>
+              </a:solidFill>
+              <a:latin typeface="微软雅黑" panose="020B0503020204020204" pitchFamily="34" charset="-122"/>
+              <a:ea typeface="微软雅黑" panose="020B0503020204020204" pitchFamily="34" charset="-122"/>
+            </a:endParaRPr>
+          </a:p>
+        </p:txBody>
+      </p:sp>
+      <p:sp>
+        <p:nvSpPr>
+          <p:cNvPr id="26" name="矩形 25">
+            <a:extLst>
+              <a:ext uri="{FF2B5EF4-FFF2-40B4-BE49-F238E27FC236}">
+                <a16:creationId xmlns:a16="http://schemas.microsoft.com/office/drawing/2014/main" id="{260C51CF-06B9-40CD-8105-E834CD7C2213}"/>
+              </a:ext>
+            </a:extLst>
+          </p:cNvPr>
+          <p:cNvSpPr/>
+          <p:nvPr/>
+        </p:nvSpPr>
+        <p:spPr>
+          <a:xfrm>
+            <a:off x="1667374" y="4221232"/>
+            <a:ext cx="1024825" cy="278886"/>
+          </a:xfrm>
+          <a:prstGeom prst="rect">
+            <a:avLst/>
+          </a:prstGeom>
+          <a:solidFill>
+            <a:schemeClr val="bg1"/>
+          </a:solidFill>
+          <a:ln>
+            <a:noFill/>
+          </a:ln>
+          <a:effectLst>
+            <a:outerShdw blurRad="38100" algn="ctr" rotWithShape="0">
+              <a:prstClr val="black">
+                <a:alpha val="50000"/>
+              </a:prstClr>
+            </a:outerShdw>
+          </a:effectLst>
+        </p:spPr>
+        <p:style>
+          <a:lnRef idx="2">
+            <a:schemeClr val="accent1">
+              <a:shade val="50000"/>
+            </a:schemeClr>
+          </a:lnRef>
+          <a:fillRef idx="1">
+            <a:schemeClr val="accent1"/>
+          </a:fillRef>
+          <a:effectRef idx="0">
+            <a:schemeClr val="accent1"/>
+          </a:effectRef>
+          <a:fontRef idx="minor">
+            <a:schemeClr val="lt1"/>
+          </a:fontRef>
+        </p:style>
+        <p:txBody>
+          <a:bodyPr rtlCol="0" anchor="ctr"/>
+          <a:lstStyle/>
+          <a:p>
+            <a:r>
+              <a:rPr lang="en-US" altLang="zh-CN" sz="1000">
+                <a:solidFill>
+                  <a:schemeClr val="tx1"/>
+                </a:solidFill>
+                <a:latin typeface="微软雅黑" panose="020B0503020204020204" pitchFamily="34" charset="-122"/>
+                <a:ea typeface="微软雅黑" panose="020B0503020204020204" pitchFamily="34" charset="-122"/>
+              </a:rPr>
+              <a:t>1</a:t>
+            </a:r>
+            <a:endParaRPr lang="zh-CN" altLang="en-US" sz="1000">
+              <a:solidFill>
+                <a:schemeClr val="tx1"/>
+              </a:solidFill>
+              <a:latin typeface="微软雅黑" panose="020B0503020204020204" pitchFamily="34" charset="-122"/>
+              <a:ea typeface="微软雅黑" panose="020B0503020204020204" pitchFamily="34" charset="-122"/>
+            </a:endParaRPr>
+          </a:p>
+        </p:txBody>
+      </p:sp>
+      <p:sp>
+        <p:nvSpPr>
+          <p:cNvPr id="31" name="矩形 30">
+            <a:extLst>
+              <a:ext uri="{FF2B5EF4-FFF2-40B4-BE49-F238E27FC236}">
+                <a16:creationId xmlns:a16="http://schemas.microsoft.com/office/drawing/2014/main" id="{7015030C-46E7-420E-8EFE-B7B17EB48044}"/>
+              </a:ext>
+            </a:extLst>
+          </p:cNvPr>
+          <p:cNvSpPr/>
+          <p:nvPr/>
+        </p:nvSpPr>
+        <p:spPr>
+          <a:xfrm>
+            <a:off x="844927" y="1098277"/>
+            <a:ext cx="813212" cy="374622"/>
+          </a:xfrm>
+          <a:prstGeom prst="rect">
+            <a:avLst/>
+          </a:prstGeom>
+          <a:noFill/>
+          <a:ln>
+            <a:noFill/>
+          </a:ln>
+        </p:spPr>
+        <p:style>
+          <a:lnRef idx="2">
+            <a:schemeClr val="accent1">
+              <a:shade val="50000"/>
+            </a:schemeClr>
+          </a:lnRef>
+          <a:fillRef idx="1">
+            <a:schemeClr val="accent1"/>
+          </a:fillRef>
+          <a:effectRef idx="0">
+            <a:schemeClr val="accent1"/>
+          </a:effectRef>
+          <a:fontRef idx="minor">
+            <a:schemeClr val="lt1"/>
+          </a:fontRef>
+        </p:style>
+        <p:txBody>
+          <a:bodyPr rtlCol="0" anchor="ctr"/>
+          <a:lstStyle/>
+          <a:p>
+            <a:pPr algn="r"/>
+            <a:r>
+              <a:rPr lang="en-US" altLang="zh-CN" sz="1000">
+                <a:solidFill>
+                  <a:schemeClr val="tx1"/>
+                </a:solidFill>
+                <a:latin typeface="微软雅黑" panose="020B0503020204020204" pitchFamily="34" charset="-122"/>
+                <a:ea typeface="微软雅黑" panose="020B0503020204020204" pitchFamily="34" charset="-122"/>
+              </a:rPr>
+              <a:t>Map :</a:t>
+            </a:r>
+            <a:endParaRPr lang="zh-CN" altLang="en-US" sz="1000">
+              <a:solidFill>
+                <a:schemeClr val="tx1"/>
+              </a:solidFill>
+              <a:latin typeface="微软雅黑" panose="020B0503020204020204" pitchFamily="34" charset="-122"/>
+              <a:ea typeface="微软雅黑" panose="020B0503020204020204" pitchFamily="34" charset="-122"/>
+            </a:endParaRPr>
+          </a:p>
+        </p:txBody>
+      </p:sp>
+      <p:sp>
+        <p:nvSpPr>
+          <p:cNvPr id="32" name="矩形 31">
+            <a:extLst>
+              <a:ext uri="{FF2B5EF4-FFF2-40B4-BE49-F238E27FC236}">
+                <a16:creationId xmlns:a16="http://schemas.microsoft.com/office/drawing/2014/main" id="{4F5C993F-4234-4F6A-B561-CBCB675B86E0}"/>
+              </a:ext>
+            </a:extLst>
+          </p:cNvPr>
+          <p:cNvSpPr/>
+          <p:nvPr/>
+        </p:nvSpPr>
+        <p:spPr>
+          <a:xfrm>
+            <a:off x="1667374" y="1146144"/>
+            <a:ext cx="1024825" cy="278885"/>
+          </a:xfrm>
+          <a:prstGeom prst="rect">
+            <a:avLst/>
+          </a:prstGeom>
+          <a:solidFill>
+            <a:schemeClr val="bg1"/>
+          </a:solidFill>
+          <a:ln>
+            <a:noFill/>
+          </a:ln>
+          <a:effectLst>
+            <a:outerShdw blurRad="38100" algn="ctr" rotWithShape="0">
+              <a:prstClr val="black">
+                <a:alpha val="50000"/>
+              </a:prstClr>
+            </a:outerShdw>
+          </a:effectLst>
+        </p:spPr>
+        <p:style>
+          <a:lnRef idx="2">
+            <a:schemeClr val="accent1">
+              <a:shade val="50000"/>
+            </a:schemeClr>
+          </a:lnRef>
+          <a:fillRef idx="1">
+            <a:schemeClr val="accent1"/>
+          </a:fillRef>
+          <a:effectRef idx="0">
+            <a:schemeClr val="accent1"/>
+          </a:effectRef>
+          <a:fontRef idx="minor">
+            <a:schemeClr val="lt1"/>
+          </a:fontRef>
+        </p:style>
+        <p:txBody>
+          <a:bodyPr rtlCol="0" anchor="ctr"/>
+          <a:lstStyle/>
+          <a:p>
+            <a:r>
+              <a:rPr lang="en-US" altLang="zh-CN" sz="1000">
+                <a:solidFill>
+                  <a:schemeClr val="tx1"/>
+                </a:solidFill>
+                <a:latin typeface="微软雅黑" panose="020B0503020204020204" pitchFamily="34" charset="-122"/>
+                <a:ea typeface="微软雅黑" panose="020B0503020204020204" pitchFamily="34" charset="-122"/>
+              </a:rPr>
+              <a:t>C:/map.json</a:t>
+            </a:r>
+            <a:endParaRPr lang="zh-CN" altLang="en-US" sz="1000">
+              <a:solidFill>
+                <a:schemeClr val="tx1"/>
+              </a:solidFill>
+              <a:latin typeface="微软雅黑" panose="020B0503020204020204" pitchFamily="34" charset="-122"/>
+              <a:ea typeface="微软雅黑" panose="020B0503020204020204" pitchFamily="34" charset="-122"/>
+            </a:endParaRPr>
+          </a:p>
+        </p:txBody>
+      </p:sp>
+      <p:sp>
+        <p:nvSpPr>
+          <p:cNvPr id="33" name="矩形 32">
+            <a:extLst>
+              <a:ext uri="{FF2B5EF4-FFF2-40B4-BE49-F238E27FC236}">
+                <a16:creationId xmlns:a16="http://schemas.microsoft.com/office/drawing/2014/main" id="{522DD56B-B37D-4C81-A317-02C75A421702}"/>
+              </a:ext>
+            </a:extLst>
+          </p:cNvPr>
+          <p:cNvSpPr/>
+          <p:nvPr/>
+        </p:nvSpPr>
+        <p:spPr>
+          <a:xfrm>
+            <a:off x="2890457" y="1146145"/>
+            <a:ext cx="799267" cy="278884"/>
+          </a:xfrm>
+          <a:prstGeom prst="rect">
+            <a:avLst/>
+          </a:prstGeom>
+          <a:solidFill>
+            <a:schemeClr val="bg1"/>
+          </a:solidFill>
+          <a:ln>
+            <a:solidFill>
+              <a:schemeClr val="bg2">
+                <a:lumMod val="25000"/>
+              </a:schemeClr>
+            </a:solidFill>
+          </a:ln>
+        </p:spPr>
+        <p:style>
+          <a:lnRef idx="2">
+            <a:schemeClr val="accent1">
+              <a:shade val="50000"/>
+            </a:schemeClr>
+          </a:lnRef>
+          <a:fillRef idx="1">
+            <a:schemeClr val="accent1"/>
+          </a:fillRef>
+          <a:effectRef idx="0">
+            <a:schemeClr val="accent1"/>
+          </a:effectRef>
+          <a:fontRef idx="minor">
+            <a:schemeClr val="lt1"/>
+          </a:fontRef>
+        </p:style>
+        <p:txBody>
+          <a:bodyPr rtlCol="0" anchor="ctr"/>
+          <a:lstStyle/>
+          <a:p>
+            <a:pPr algn="ctr"/>
+            <a:r>
+              <a:rPr lang="en-US" altLang="zh-CN" sz="1000">
+                <a:solidFill>
+                  <a:schemeClr val="tx1"/>
+                </a:solidFill>
+                <a:latin typeface="微软雅黑" panose="020B0503020204020204" pitchFamily="34" charset="-122"/>
+                <a:ea typeface="微软雅黑" panose="020B0503020204020204" pitchFamily="34" charset="-122"/>
+              </a:rPr>
+              <a:t>New Map</a:t>
+            </a:r>
+            <a:endParaRPr lang="zh-CN" altLang="en-US" sz="1000">
+              <a:solidFill>
+                <a:schemeClr val="tx1"/>
+              </a:solidFill>
+              <a:latin typeface="微软雅黑" panose="020B0503020204020204" pitchFamily="34" charset="-122"/>
+              <a:ea typeface="微软雅黑" panose="020B0503020204020204" pitchFamily="34" charset="-122"/>
+            </a:endParaRPr>
+          </a:p>
+        </p:txBody>
+      </p:sp>
+      <p:grpSp>
+        <p:nvGrpSpPr>
+          <p:cNvPr id="55" name="组合 54">
+            <a:extLst>
+              <a:ext uri="{FF2B5EF4-FFF2-40B4-BE49-F238E27FC236}">
+                <a16:creationId xmlns:a16="http://schemas.microsoft.com/office/drawing/2014/main" id="{3FFBDB9B-30DB-4AAF-8E9E-6783827C2356}"/>
+              </a:ext>
+            </a:extLst>
+          </p:cNvPr>
+          <p:cNvGrpSpPr/>
+          <p:nvPr/>
+        </p:nvGrpSpPr>
+        <p:grpSpPr>
+          <a:xfrm>
+            <a:off x="844927" y="1495979"/>
+            <a:ext cx="1847272" cy="278886"/>
+            <a:chOff x="844927" y="1846956"/>
+            <a:chExt cx="1847272" cy="278886"/>
+          </a:xfrm>
+        </p:grpSpPr>
+        <p:sp>
+          <p:nvSpPr>
+            <p:cNvPr id="35" name="矩形 34">
+              <a:extLst>
+                <a:ext uri="{FF2B5EF4-FFF2-40B4-BE49-F238E27FC236}">
+                  <a16:creationId xmlns:a16="http://schemas.microsoft.com/office/drawing/2014/main" id="{28F821C9-1110-47AB-9CAD-A2BD6C37F80B}"/>
+                </a:ext>
+              </a:extLst>
+            </p:cNvPr>
+            <p:cNvSpPr/>
+            <p:nvPr/>
+          </p:nvSpPr>
+          <p:spPr>
+            <a:xfrm>
+              <a:off x="844927" y="1846956"/>
+              <a:ext cx="813212" cy="278886"/>
+            </a:xfrm>
+            <a:prstGeom prst="rect">
+              <a:avLst/>
+            </a:prstGeom>
+            <a:noFill/>
+            <a:ln>
+              <a:noFill/>
+            </a:ln>
+          </p:spPr>
+          <p:style>
+            <a:lnRef idx="2">
+              <a:schemeClr val="accent1">
+                <a:shade val="50000"/>
+              </a:schemeClr>
+            </a:lnRef>
+            <a:fillRef idx="1">
+              <a:schemeClr val="accent1"/>
+            </a:fillRef>
+            <a:effectRef idx="0">
+              <a:schemeClr val="accent1"/>
+            </a:effectRef>
+            <a:fontRef idx="minor">
+              <a:schemeClr val="lt1"/>
+            </a:fontRef>
+          </p:style>
+          <p:txBody>
+            <a:bodyPr rtlCol="0" anchor="ctr"/>
+            <a:lstStyle/>
+            <a:p>
+              <a:pPr algn="r"/>
+              <a:r>
+                <a:rPr lang="en-US" altLang="zh-CN" sz="1000">
+                  <a:solidFill>
+                    <a:schemeClr val="tx1"/>
+                  </a:solidFill>
+                  <a:latin typeface="微软雅黑" panose="020B0503020204020204" pitchFamily="34" charset="-122"/>
+                  <a:ea typeface="微软雅黑" panose="020B0503020204020204" pitchFamily="34" charset="-122"/>
+                </a:rPr>
+                <a:t>height :</a:t>
+              </a:r>
+              <a:endParaRPr lang="zh-CN" altLang="en-US" sz="1000">
+                <a:solidFill>
+                  <a:schemeClr val="tx1"/>
+                </a:solidFill>
+                <a:latin typeface="微软雅黑" panose="020B0503020204020204" pitchFamily="34" charset="-122"/>
+                <a:ea typeface="微软雅黑" panose="020B0503020204020204" pitchFamily="34" charset="-122"/>
+              </a:endParaRPr>
+            </a:p>
+          </p:txBody>
+        </p:sp>
+        <p:sp>
+          <p:nvSpPr>
+            <p:cNvPr id="36" name="矩形 35">
+              <a:extLst>
+                <a:ext uri="{FF2B5EF4-FFF2-40B4-BE49-F238E27FC236}">
+                  <a16:creationId xmlns:a16="http://schemas.microsoft.com/office/drawing/2014/main" id="{375C12AA-EB62-498A-A63C-54DA3FC3BB1B}"/>
+                </a:ext>
+              </a:extLst>
+            </p:cNvPr>
+            <p:cNvSpPr/>
+            <p:nvPr/>
+          </p:nvSpPr>
+          <p:spPr>
+            <a:xfrm>
+              <a:off x="1667374" y="1846956"/>
+              <a:ext cx="1024825" cy="278886"/>
+            </a:xfrm>
+            <a:prstGeom prst="rect">
+              <a:avLst/>
+            </a:prstGeom>
+            <a:noFill/>
+            <a:ln>
+              <a:noFill/>
+            </a:ln>
+            <a:effectLst/>
+          </p:spPr>
+          <p:style>
+            <a:lnRef idx="2">
+              <a:schemeClr val="accent1">
+                <a:shade val="50000"/>
+              </a:schemeClr>
+            </a:lnRef>
+            <a:fillRef idx="1">
+              <a:schemeClr val="accent1"/>
+            </a:fillRef>
+            <a:effectRef idx="0">
+              <a:schemeClr val="accent1"/>
+            </a:effectRef>
+            <a:fontRef idx="minor">
+              <a:schemeClr val="lt1"/>
+            </a:fontRef>
+          </p:style>
+          <p:txBody>
+            <a:bodyPr rtlCol="0" anchor="ctr"/>
+            <a:lstStyle/>
+            <a:p>
+              <a:r>
+                <a:rPr lang="en-US" altLang="zh-CN" sz="1000">
+                  <a:solidFill>
+                    <a:schemeClr val="tx1"/>
+                  </a:solidFill>
+                  <a:latin typeface="微软雅黑" panose="020B0503020204020204" pitchFamily="34" charset="-122"/>
+                  <a:ea typeface="微软雅黑" panose="020B0503020204020204" pitchFamily="34" charset="-122"/>
+                </a:rPr>
+                <a:t>22</a:t>
+              </a:r>
+              <a:endParaRPr lang="zh-CN" altLang="en-US" sz="1000">
+                <a:solidFill>
+                  <a:schemeClr val="tx1"/>
+                </a:solidFill>
+                <a:latin typeface="微软雅黑" panose="020B0503020204020204" pitchFamily="34" charset="-122"/>
+                <a:ea typeface="微软雅黑" panose="020B0503020204020204" pitchFamily="34" charset="-122"/>
+              </a:endParaRPr>
+            </a:p>
+          </p:txBody>
+        </p:sp>
+      </p:grpSp>
+      <p:sp>
+        <p:nvSpPr>
+          <p:cNvPr id="38" name="矩形 37">
+            <a:extLst>
+              <a:ext uri="{FF2B5EF4-FFF2-40B4-BE49-F238E27FC236}">
+                <a16:creationId xmlns:a16="http://schemas.microsoft.com/office/drawing/2014/main" id="{F849EED1-FD84-49D1-B057-798BD37EC274}"/>
+              </a:ext>
+            </a:extLst>
+          </p:cNvPr>
+          <p:cNvSpPr/>
+          <p:nvPr/>
+        </p:nvSpPr>
+        <p:spPr>
+          <a:xfrm>
+            <a:off x="844927" y="4847999"/>
+            <a:ext cx="813212" cy="278884"/>
+          </a:xfrm>
+          <a:prstGeom prst="rect">
+            <a:avLst/>
+          </a:prstGeom>
+          <a:noFill/>
+          <a:ln>
+            <a:noFill/>
+          </a:ln>
+        </p:spPr>
+        <p:style>
+          <a:lnRef idx="2">
+            <a:schemeClr val="accent1">
+              <a:shade val="50000"/>
+            </a:schemeClr>
+          </a:lnRef>
+          <a:fillRef idx="1">
+            <a:schemeClr val="accent1"/>
+          </a:fillRef>
+          <a:effectRef idx="0">
+            <a:schemeClr val="accent1"/>
+          </a:effectRef>
+          <a:fontRef idx="minor">
+            <a:schemeClr val="lt1"/>
+          </a:fontRef>
+        </p:style>
+        <p:txBody>
+          <a:bodyPr rtlCol="0" anchor="ctr"/>
+          <a:lstStyle/>
+          <a:p>
+            <a:pPr algn="r"/>
+            <a:r>
+              <a:rPr lang="en-US" altLang="zh-CN" sz="1000">
+                <a:solidFill>
+                  <a:schemeClr val="tx1"/>
+                </a:solidFill>
+                <a:latin typeface="微软雅黑" panose="020B0503020204020204" pitchFamily="34" charset="-122"/>
+                <a:ea typeface="微软雅黑" panose="020B0503020204020204" pitchFamily="34" charset="-122"/>
+              </a:rPr>
+              <a:t>goods :</a:t>
+            </a:r>
+            <a:endParaRPr lang="zh-CN" altLang="en-US" sz="1000">
+              <a:solidFill>
+                <a:schemeClr val="tx1"/>
+              </a:solidFill>
+              <a:latin typeface="微软雅黑" panose="020B0503020204020204" pitchFamily="34" charset="-122"/>
+              <a:ea typeface="微软雅黑" panose="020B0503020204020204" pitchFamily="34" charset="-122"/>
+            </a:endParaRPr>
+          </a:p>
+        </p:txBody>
+      </p:sp>
+      <p:sp>
+        <p:nvSpPr>
+          <p:cNvPr id="39" name="矩形 38">
+            <a:extLst>
+              <a:ext uri="{FF2B5EF4-FFF2-40B4-BE49-F238E27FC236}">
+                <a16:creationId xmlns:a16="http://schemas.microsoft.com/office/drawing/2014/main" id="{D02E8B27-F3FE-466F-BEEF-FAD6ACF1364B}"/>
+              </a:ext>
+            </a:extLst>
+          </p:cNvPr>
+          <p:cNvSpPr/>
+          <p:nvPr/>
+        </p:nvSpPr>
+        <p:spPr>
+          <a:xfrm>
+            <a:off x="1667374" y="4847999"/>
+            <a:ext cx="1024825" cy="278886"/>
+          </a:xfrm>
+          <a:prstGeom prst="rect">
+            <a:avLst/>
+          </a:prstGeom>
+          <a:solidFill>
+            <a:schemeClr val="bg1"/>
+          </a:solidFill>
+          <a:ln>
+            <a:noFill/>
+          </a:ln>
+          <a:effectLst>
+            <a:outerShdw blurRad="38100" algn="ctr" rotWithShape="0">
+              <a:prstClr val="black">
+                <a:alpha val="50000"/>
+              </a:prstClr>
+            </a:outerShdw>
+          </a:effectLst>
+        </p:spPr>
+        <p:style>
+          <a:lnRef idx="2">
+            <a:schemeClr val="accent1">
+              <a:shade val="50000"/>
+            </a:schemeClr>
+          </a:lnRef>
+          <a:fillRef idx="1">
+            <a:schemeClr val="accent1"/>
+          </a:fillRef>
+          <a:effectRef idx="0">
+            <a:schemeClr val="accent1"/>
+          </a:effectRef>
+          <a:fontRef idx="minor">
+            <a:schemeClr val="lt1"/>
+          </a:fontRef>
+        </p:style>
+        <p:txBody>
+          <a:bodyPr rtlCol="0" anchor="ctr"/>
+          <a:lstStyle/>
+          <a:p>
+            <a:r>
+              <a:rPr lang="en-US" altLang="zh-CN" sz="1000">
+                <a:solidFill>
+                  <a:schemeClr val="tx1"/>
+                </a:solidFill>
+                <a:latin typeface="微软雅黑" panose="020B0503020204020204" pitchFamily="34" charset="-122"/>
+                <a:ea typeface="微软雅黑" panose="020B0503020204020204" pitchFamily="34" charset="-122"/>
+              </a:rPr>
+              <a:t>1000</a:t>
+            </a:r>
+            <a:endParaRPr lang="zh-CN" altLang="en-US" sz="1000">
+              <a:solidFill>
+                <a:schemeClr val="tx1"/>
+              </a:solidFill>
+              <a:latin typeface="微软雅黑" panose="020B0503020204020204" pitchFamily="34" charset="-122"/>
+              <a:ea typeface="微软雅黑" panose="020B0503020204020204" pitchFamily="34" charset="-122"/>
+            </a:endParaRPr>
+          </a:p>
+        </p:txBody>
+      </p:sp>
+      <p:sp>
+        <p:nvSpPr>
+          <p:cNvPr id="40" name="矩形 39">
+            <a:extLst>
+              <a:ext uri="{FF2B5EF4-FFF2-40B4-BE49-F238E27FC236}">
+                <a16:creationId xmlns:a16="http://schemas.microsoft.com/office/drawing/2014/main" id="{DEBE9A13-7314-4A43-A222-22BAFAB3FFCC}"/>
+              </a:ext>
+            </a:extLst>
+          </p:cNvPr>
+          <p:cNvSpPr/>
+          <p:nvPr/>
+        </p:nvSpPr>
+        <p:spPr>
+          <a:xfrm>
+            <a:off x="2701434" y="4847765"/>
+            <a:ext cx="679075" cy="278884"/>
+          </a:xfrm>
+          <a:prstGeom prst="rect">
+            <a:avLst/>
+          </a:prstGeom>
+          <a:noFill/>
+          <a:ln>
+            <a:noFill/>
+          </a:ln>
+        </p:spPr>
+        <p:style>
+          <a:lnRef idx="2">
+            <a:schemeClr val="accent1">
+              <a:shade val="50000"/>
+            </a:schemeClr>
+          </a:lnRef>
+          <a:fillRef idx="1">
+            <a:schemeClr val="accent1"/>
+          </a:fillRef>
+          <a:effectRef idx="0">
+            <a:schemeClr val="accent1"/>
+          </a:effectRef>
+          <a:fontRef idx="minor">
+            <a:schemeClr val="lt1"/>
+          </a:fontRef>
+        </p:style>
+        <p:txBody>
+          <a:bodyPr rtlCol="0" anchor="ctr"/>
+          <a:lstStyle/>
+          <a:p>
+            <a:r>
+              <a:rPr lang="en-US" altLang="zh-CN" sz="1000">
+                <a:solidFill>
+                  <a:schemeClr val="tx1"/>
+                </a:solidFill>
+                <a:latin typeface="微软雅黑" panose="020B0503020204020204" pitchFamily="34" charset="-122"/>
+                <a:ea typeface="微软雅黑" panose="020B0503020204020204" pitchFamily="34" charset="-122"/>
+              </a:rPr>
+              <a:t>pack</a:t>
+            </a:r>
+            <a:endParaRPr lang="zh-CN" altLang="en-US" sz="1000">
+              <a:solidFill>
+                <a:schemeClr val="tx1"/>
+              </a:solidFill>
+              <a:latin typeface="微软雅黑" panose="020B0503020204020204" pitchFamily="34" charset="-122"/>
+              <a:ea typeface="微软雅黑" panose="020B0503020204020204" pitchFamily="34" charset="-122"/>
+            </a:endParaRPr>
+          </a:p>
+        </p:txBody>
+      </p:sp>
+      <p:sp>
+        <p:nvSpPr>
+          <p:cNvPr id="42" name="矩形 41">
+            <a:extLst>
+              <a:ext uri="{FF2B5EF4-FFF2-40B4-BE49-F238E27FC236}">
+                <a16:creationId xmlns:a16="http://schemas.microsoft.com/office/drawing/2014/main" id="{FF11BB46-C6B2-4D49-BBE2-7618447EFE6B}"/>
+              </a:ext>
+            </a:extLst>
+          </p:cNvPr>
+          <p:cNvSpPr/>
+          <p:nvPr/>
+        </p:nvSpPr>
+        <p:spPr>
+          <a:xfrm>
+            <a:off x="2701434" y="4222683"/>
+            <a:ext cx="679075" cy="278884"/>
+          </a:xfrm>
+          <a:prstGeom prst="rect">
+            <a:avLst/>
+          </a:prstGeom>
+          <a:noFill/>
+          <a:ln>
+            <a:noFill/>
+          </a:ln>
+        </p:spPr>
+        <p:style>
+          <a:lnRef idx="2">
+            <a:schemeClr val="accent1">
+              <a:shade val="50000"/>
+            </a:schemeClr>
+          </a:lnRef>
+          <a:fillRef idx="1">
+            <a:schemeClr val="accent1"/>
+          </a:fillRef>
+          <a:effectRef idx="0">
+            <a:schemeClr val="accent1"/>
+          </a:effectRef>
+          <a:fontRef idx="minor">
+            <a:schemeClr val="lt1"/>
+          </a:fontRef>
+        </p:style>
+        <p:txBody>
+          <a:bodyPr rtlCol="0" anchor="ctr"/>
+          <a:lstStyle/>
+          <a:p>
+            <a:r>
+              <a:rPr lang="en-US" altLang="zh-CN" sz="1000">
+                <a:solidFill>
+                  <a:schemeClr val="tx1"/>
+                </a:solidFill>
+                <a:latin typeface="微软雅黑" panose="020B0503020204020204" pitchFamily="34" charset="-122"/>
+                <a:ea typeface="微软雅黑" panose="020B0503020204020204" pitchFamily="34" charset="-122"/>
+              </a:rPr>
+              <a:t>unit</a:t>
+            </a:r>
+            <a:endParaRPr lang="zh-CN" altLang="en-US" sz="1000">
+              <a:solidFill>
+                <a:schemeClr val="tx1"/>
+              </a:solidFill>
+              <a:latin typeface="微软雅黑" panose="020B0503020204020204" pitchFamily="34" charset="-122"/>
+              <a:ea typeface="微软雅黑" panose="020B0503020204020204" pitchFamily="34" charset="-122"/>
+            </a:endParaRPr>
+          </a:p>
+        </p:txBody>
+      </p:sp>
+      <p:grpSp>
+        <p:nvGrpSpPr>
+          <p:cNvPr id="56" name="组合 55">
+            <a:extLst>
+              <a:ext uri="{FF2B5EF4-FFF2-40B4-BE49-F238E27FC236}">
+                <a16:creationId xmlns:a16="http://schemas.microsoft.com/office/drawing/2014/main" id="{C6D0191F-C94B-4B22-AFF5-C98739460E70}"/>
+              </a:ext>
+            </a:extLst>
+          </p:cNvPr>
+          <p:cNvGrpSpPr/>
+          <p:nvPr/>
+        </p:nvGrpSpPr>
+        <p:grpSpPr>
+          <a:xfrm>
+            <a:off x="844927" y="1843773"/>
+            <a:ext cx="1847272" cy="278886"/>
+            <a:chOff x="844927" y="2194750"/>
+            <a:chExt cx="1847272" cy="278886"/>
+          </a:xfrm>
+        </p:grpSpPr>
+        <p:sp>
+          <p:nvSpPr>
+            <p:cNvPr id="43" name="矩形 42">
+              <a:extLst>
+                <a:ext uri="{FF2B5EF4-FFF2-40B4-BE49-F238E27FC236}">
+                  <a16:creationId xmlns:a16="http://schemas.microsoft.com/office/drawing/2014/main" id="{6245A81E-1F64-49C0-8A2D-00D4A78D1732}"/>
+                </a:ext>
+              </a:extLst>
+            </p:cNvPr>
+            <p:cNvSpPr/>
+            <p:nvPr/>
+          </p:nvSpPr>
+          <p:spPr>
+            <a:xfrm>
+              <a:off x="844927" y="2194750"/>
+              <a:ext cx="813212" cy="278886"/>
+            </a:xfrm>
+            <a:prstGeom prst="rect">
+              <a:avLst/>
+            </a:prstGeom>
+            <a:noFill/>
+            <a:ln>
+              <a:noFill/>
+            </a:ln>
+          </p:spPr>
+          <p:style>
+            <a:lnRef idx="2">
+              <a:schemeClr val="accent1">
+                <a:shade val="50000"/>
+              </a:schemeClr>
+            </a:lnRef>
+            <a:fillRef idx="1">
+              <a:schemeClr val="accent1"/>
+            </a:fillRef>
+            <a:effectRef idx="0">
+              <a:schemeClr val="accent1"/>
+            </a:effectRef>
+            <a:fontRef idx="minor">
+              <a:schemeClr val="lt1"/>
+            </a:fontRef>
+          </p:style>
+          <p:txBody>
+            <a:bodyPr rtlCol="0" anchor="ctr"/>
+            <a:lstStyle/>
+            <a:p>
+              <a:pPr algn="r"/>
+              <a:r>
+                <a:rPr lang="en-US" altLang="zh-CN" sz="1000">
+                  <a:solidFill>
+                    <a:schemeClr val="tx1"/>
+                  </a:solidFill>
+                  <a:latin typeface="微软雅黑" panose="020B0503020204020204" pitchFamily="34" charset="-122"/>
+                  <a:ea typeface="微软雅黑" panose="020B0503020204020204" pitchFamily="34" charset="-122"/>
+                </a:rPr>
+                <a:t>width :</a:t>
+              </a:r>
+              <a:endParaRPr lang="zh-CN" altLang="en-US" sz="1000">
+                <a:solidFill>
+                  <a:schemeClr val="tx1"/>
+                </a:solidFill>
+                <a:latin typeface="微软雅黑" panose="020B0503020204020204" pitchFamily="34" charset="-122"/>
+                <a:ea typeface="微软雅黑" panose="020B0503020204020204" pitchFamily="34" charset="-122"/>
+              </a:endParaRPr>
+            </a:p>
+          </p:txBody>
+        </p:sp>
+        <p:sp>
+          <p:nvSpPr>
+            <p:cNvPr id="44" name="矩形 43">
+              <a:extLst>
+                <a:ext uri="{FF2B5EF4-FFF2-40B4-BE49-F238E27FC236}">
+                  <a16:creationId xmlns:a16="http://schemas.microsoft.com/office/drawing/2014/main" id="{8F1420E3-6BF7-4859-907F-C0B50820FE44}"/>
+                </a:ext>
+              </a:extLst>
+            </p:cNvPr>
+            <p:cNvSpPr/>
+            <p:nvPr/>
+          </p:nvSpPr>
+          <p:spPr>
+            <a:xfrm>
+              <a:off x="1667374" y="2194750"/>
+              <a:ext cx="1024825" cy="278886"/>
+            </a:xfrm>
+            <a:prstGeom prst="rect">
+              <a:avLst/>
+            </a:prstGeom>
+            <a:noFill/>
+            <a:ln>
+              <a:noFill/>
+            </a:ln>
+            <a:effectLst/>
+          </p:spPr>
+          <p:style>
+            <a:lnRef idx="2">
+              <a:schemeClr val="accent1">
+                <a:shade val="50000"/>
+              </a:schemeClr>
+            </a:lnRef>
+            <a:fillRef idx="1">
+              <a:schemeClr val="accent1"/>
+            </a:fillRef>
+            <a:effectRef idx="0">
+              <a:schemeClr val="accent1"/>
+            </a:effectRef>
+            <a:fontRef idx="minor">
+              <a:schemeClr val="lt1"/>
+            </a:fontRef>
+          </p:style>
+          <p:txBody>
+            <a:bodyPr rtlCol="0" anchor="ctr"/>
+            <a:lstStyle/>
+            <a:p>
+              <a:r>
+                <a:rPr lang="en-US" altLang="zh-CN" sz="1000">
+                  <a:solidFill>
+                    <a:schemeClr val="tx1"/>
+                  </a:solidFill>
+                  <a:latin typeface="微软雅黑" panose="020B0503020204020204" pitchFamily="34" charset="-122"/>
+                  <a:ea typeface="微软雅黑" panose="020B0503020204020204" pitchFamily="34" charset="-122"/>
+                </a:rPr>
+                <a:t>22</a:t>
+              </a:r>
+              <a:endParaRPr lang="zh-CN" altLang="en-US" sz="1000">
+                <a:solidFill>
+                  <a:schemeClr val="tx1"/>
+                </a:solidFill>
+                <a:latin typeface="微软雅黑" panose="020B0503020204020204" pitchFamily="34" charset="-122"/>
+                <a:ea typeface="微软雅黑" panose="020B0503020204020204" pitchFamily="34" charset="-122"/>
+              </a:endParaRPr>
+            </a:p>
+          </p:txBody>
+        </p:sp>
+      </p:grpSp>
+      <p:grpSp>
+        <p:nvGrpSpPr>
+          <p:cNvPr id="57" name="组合 56">
+            <a:extLst>
+              <a:ext uri="{FF2B5EF4-FFF2-40B4-BE49-F238E27FC236}">
+                <a16:creationId xmlns:a16="http://schemas.microsoft.com/office/drawing/2014/main" id="{2740DA68-C1E3-4F00-BD91-002981790D7E}"/>
+              </a:ext>
+            </a:extLst>
+          </p:cNvPr>
+          <p:cNvGrpSpPr/>
+          <p:nvPr/>
+        </p:nvGrpSpPr>
+        <p:grpSpPr>
+          <a:xfrm>
+            <a:off x="844927" y="2191567"/>
+            <a:ext cx="1847272" cy="278886"/>
+            <a:chOff x="854162" y="2542544"/>
+            <a:chExt cx="1847272" cy="278886"/>
+          </a:xfrm>
+        </p:grpSpPr>
+        <p:sp>
+          <p:nvSpPr>
+            <p:cNvPr id="49" name="矩形 48">
+              <a:extLst>
+                <a:ext uri="{FF2B5EF4-FFF2-40B4-BE49-F238E27FC236}">
+                  <a16:creationId xmlns:a16="http://schemas.microsoft.com/office/drawing/2014/main" id="{3EAEF60B-2442-49FC-835F-236A4A75262C}"/>
+                </a:ext>
+              </a:extLst>
+            </p:cNvPr>
+            <p:cNvSpPr/>
+            <p:nvPr/>
+          </p:nvSpPr>
+          <p:spPr>
+            <a:xfrm>
+              <a:off x="854162" y="2542544"/>
+              <a:ext cx="813212" cy="278886"/>
+            </a:xfrm>
+            <a:prstGeom prst="rect">
+              <a:avLst/>
+            </a:prstGeom>
+            <a:noFill/>
+            <a:ln>
+              <a:noFill/>
+            </a:ln>
+          </p:spPr>
+          <p:style>
+            <a:lnRef idx="2">
+              <a:schemeClr val="accent1">
+                <a:shade val="50000"/>
+              </a:schemeClr>
+            </a:lnRef>
+            <a:fillRef idx="1">
+              <a:schemeClr val="accent1"/>
+            </a:fillRef>
+            <a:effectRef idx="0">
+              <a:schemeClr val="accent1"/>
+            </a:effectRef>
+            <a:fontRef idx="minor">
+              <a:schemeClr val="lt1"/>
+            </a:fontRef>
+          </p:style>
+          <p:txBody>
+            <a:bodyPr rtlCol="0" anchor="ctr"/>
+            <a:lstStyle/>
+            <a:p>
+              <a:pPr algn="r"/>
+              <a:r>
+                <a:rPr lang="en-US" altLang="zh-CN" sz="1000">
+                  <a:solidFill>
+                    <a:schemeClr val="tx1"/>
+                  </a:solidFill>
+                  <a:latin typeface="微软雅黑" panose="020B0503020204020204" pitchFamily="34" charset="-122"/>
+                  <a:ea typeface="微软雅黑" panose="020B0503020204020204" pitchFamily="34" charset="-122"/>
+                </a:rPr>
+                <a:t>charging :</a:t>
+              </a:r>
+              <a:endParaRPr lang="zh-CN" altLang="en-US" sz="1000">
+                <a:solidFill>
+                  <a:schemeClr val="tx1"/>
+                </a:solidFill>
+                <a:latin typeface="微软雅黑" panose="020B0503020204020204" pitchFamily="34" charset="-122"/>
+                <a:ea typeface="微软雅黑" panose="020B0503020204020204" pitchFamily="34" charset="-122"/>
+              </a:endParaRPr>
+            </a:p>
+          </p:txBody>
+        </p:sp>
+        <p:sp>
+          <p:nvSpPr>
+            <p:cNvPr id="50" name="矩形 49">
+              <a:extLst>
+                <a:ext uri="{FF2B5EF4-FFF2-40B4-BE49-F238E27FC236}">
+                  <a16:creationId xmlns:a16="http://schemas.microsoft.com/office/drawing/2014/main" id="{DBC887BC-D8E1-433B-ADA8-D8ECB1D26EB3}"/>
+                </a:ext>
+              </a:extLst>
+            </p:cNvPr>
+            <p:cNvSpPr/>
+            <p:nvPr/>
+          </p:nvSpPr>
+          <p:spPr>
+            <a:xfrm>
+              <a:off x="1676609" y="2542544"/>
+              <a:ext cx="1024825" cy="278886"/>
+            </a:xfrm>
+            <a:prstGeom prst="rect">
+              <a:avLst/>
+            </a:prstGeom>
+            <a:noFill/>
+            <a:ln>
+              <a:noFill/>
+            </a:ln>
+            <a:effectLst/>
+          </p:spPr>
+          <p:style>
+            <a:lnRef idx="2">
+              <a:schemeClr val="accent1">
+                <a:shade val="50000"/>
+              </a:schemeClr>
+            </a:lnRef>
+            <a:fillRef idx="1">
+              <a:schemeClr val="accent1"/>
+            </a:fillRef>
+            <a:effectRef idx="0">
+              <a:schemeClr val="accent1"/>
+            </a:effectRef>
+            <a:fontRef idx="minor">
+              <a:schemeClr val="lt1"/>
+            </a:fontRef>
+          </p:style>
+          <p:txBody>
+            <a:bodyPr rtlCol="0" anchor="ctr"/>
+            <a:lstStyle/>
+            <a:p>
+              <a:r>
+                <a:rPr lang="en-US" altLang="zh-CN" sz="1000">
+                  <a:solidFill>
+                    <a:schemeClr val="tx1"/>
+                  </a:solidFill>
+                  <a:latin typeface="微软雅黑" panose="020B0503020204020204" pitchFamily="34" charset="-122"/>
+                  <a:ea typeface="微软雅黑" panose="020B0503020204020204" pitchFamily="34" charset="-122"/>
+                </a:rPr>
+                <a:t>4</a:t>
+              </a:r>
+              <a:endParaRPr lang="zh-CN" altLang="en-US" sz="1000">
+                <a:solidFill>
+                  <a:schemeClr val="tx1"/>
+                </a:solidFill>
+                <a:latin typeface="微软雅黑" panose="020B0503020204020204" pitchFamily="34" charset="-122"/>
+                <a:ea typeface="微软雅黑" panose="020B0503020204020204" pitchFamily="34" charset="-122"/>
+              </a:endParaRPr>
+            </a:p>
+          </p:txBody>
+        </p:sp>
+      </p:grpSp>
+      <p:grpSp>
+        <p:nvGrpSpPr>
+          <p:cNvPr id="59" name="组合 58">
+            <a:extLst>
+              <a:ext uri="{FF2B5EF4-FFF2-40B4-BE49-F238E27FC236}">
+                <a16:creationId xmlns:a16="http://schemas.microsoft.com/office/drawing/2014/main" id="{89C0C224-078D-4096-BB92-7B3C348D64C5}"/>
+              </a:ext>
+            </a:extLst>
+          </p:cNvPr>
+          <p:cNvGrpSpPr/>
+          <p:nvPr/>
+        </p:nvGrpSpPr>
+        <p:grpSpPr>
+          <a:xfrm>
+            <a:off x="844927" y="2539361"/>
+            <a:ext cx="1847272" cy="278886"/>
+            <a:chOff x="854162" y="2890338"/>
+            <a:chExt cx="1847272" cy="278886"/>
+          </a:xfrm>
+        </p:grpSpPr>
+        <p:sp>
+          <p:nvSpPr>
+            <p:cNvPr id="51" name="矩形 50">
+              <a:extLst>
+                <a:ext uri="{FF2B5EF4-FFF2-40B4-BE49-F238E27FC236}">
+                  <a16:creationId xmlns:a16="http://schemas.microsoft.com/office/drawing/2014/main" id="{A07D43DE-7A6B-406F-98F6-867DB8FB9DD2}"/>
+                </a:ext>
+              </a:extLst>
+            </p:cNvPr>
+            <p:cNvSpPr/>
+            <p:nvPr/>
+          </p:nvSpPr>
+          <p:spPr>
+            <a:xfrm>
+              <a:off x="854162" y="2890338"/>
+              <a:ext cx="813212" cy="278886"/>
+            </a:xfrm>
+            <a:prstGeom prst="rect">
+              <a:avLst/>
+            </a:prstGeom>
+            <a:noFill/>
+            <a:ln>
+              <a:noFill/>
+            </a:ln>
+          </p:spPr>
+          <p:style>
+            <a:lnRef idx="2">
+              <a:schemeClr val="accent1">
+                <a:shade val="50000"/>
+              </a:schemeClr>
+            </a:lnRef>
+            <a:fillRef idx="1">
+              <a:schemeClr val="accent1"/>
+            </a:fillRef>
+            <a:effectRef idx="0">
+              <a:schemeClr val="accent1"/>
+            </a:effectRef>
+            <a:fontRef idx="minor">
+              <a:schemeClr val="lt1"/>
+            </a:fontRef>
+          </p:style>
+          <p:txBody>
+            <a:bodyPr rtlCol="0" anchor="ctr"/>
+            <a:lstStyle/>
+            <a:p>
+              <a:pPr algn="r"/>
+              <a:r>
+                <a:rPr lang="en-US" altLang="zh-CN" sz="1000">
+                  <a:solidFill>
+                    <a:schemeClr val="tx1"/>
+                  </a:solidFill>
+                  <a:latin typeface="微软雅黑" panose="020B0503020204020204" pitchFamily="34" charset="-122"/>
+                  <a:ea typeface="微软雅黑" panose="020B0503020204020204" pitchFamily="34" charset="-122"/>
+                </a:rPr>
+                <a:t>pack up :</a:t>
+              </a:r>
+              <a:endParaRPr lang="zh-CN" altLang="en-US" sz="1000">
+                <a:solidFill>
+                  <a:schemeClr val="tx1"/>
+                </a:solidFill>
+                <a:latin typeface="微软雅黑" panose="020B0503020204020204" pitchFamily="34" charset="-122"/>
+                <a:ea typeface="微软雅黑" panose="020B0503020204020204" pitchFamily="34" charset="-122"/>
+              </a:endParaRPr>
+            </a:p>
+          </p:txBody>
+        </p:sp>
+        <p:sp>
+          <p:nvSpPr>
+            <p:cNvPr id="52" name="矩形 51">
+              <a:extLst>
+                <a:ext uri="{FF2B5EF4-FFF2-40B4-BE49-F238E27FC236}">
+                  <a16:creationId xmlns:a16="http://schemas.microsoft.com/office/drawing/2014/main" id="{7A8F5CEC-9446-48B8-984B-AC16DDE9FDDF}"/>
+                </a:ext>
+              </a:extLst>
+            </p:cNvPr>
+            <p:cNvSpPr/>
+            <p:nvPr/>
+          </p:nvSpPr>
+          <p:spPr>
+            <a:xfrm>
+              <a:off x="1676609" y="2890338"/>
+              <a:ext cx="1024825" cy="278886"/>
+            </a:xfrm>
+            <a:prstGeom prst="rect">
+              <a:avLst/>
+            </a:prstGeom>
+            <a:noFill/>
+            <a:ln>
+              <a:noFill/>
+            </a:ln>
+            <a:effectLst/>
+          </p:spPr>
+          <p:style>
+            <a:lnRef idx="2">
+              <a:schemeClr val="accent1">
+                <a:shade val="50000"/>
+              </a:schemeClr>
+            </a:lnRef>
+            <a:fillRef idx="1">
+              <a:schemeClr val="accent1"/>
+            </a:fillRef>
+            <a:effectRef idx="0">
+              <a:schemeClr val="accent1"/>
+            </a:effectRef>
+            <a:fontRef idx="minor">
+              <a:schemeClr val="lt1"/>
+            </a:fontRef>
+          </p:style>
+          <p:txBody>
+            <a:bodyPr rtlCol="0" anchor="ctr"/>
+            <a:lstStyle/>
+            <a:p>
+              <a:r>
+                <a:rPr lang="en-US" altLang="zh-CN" sz="1000">
+                  <a:solidFill>
+                    <a:schemeClr val="tx1"/>
+                  </a:solidFill>
+                  <a:latin typeface="微软雅黑" panose="020B0503020204020204" pitchFamily="34" charset="-122"/>
+                  <a:ea typeface="微软雅黑" panose="020B0503020204020204" pitchFamily="34" charset="-122"/>
+                </a:rPr>
+                <a:t>4</a:t>
+              </a:r>
+              <a:endParaRPr lang="zh-CN" altLang="en-US" sz="1000">
+                <a:solidFill>
+                  <a:schemeClr val="tx1"/>
+                </a:solidFill>
+                <a:latin typeface="微软雅黑" panose="020B0503020204020204" pitchFamily="34" charset="-122"/>
+                <a:ea typeface="微软雅黑" panose="020B0503020204020204" pitchFamily="34" charset="-122"/>
+              </a:endParaRPr>
+            </a:p>
+          </p:txBody>
+        </p:sp>
+      </p:grpSp>
+      <p:grpSp>
+        <p:nvGrpSpPr>
+          <p:cNvPr id="60" name="组合 59">
+            <a:extLst>
+              <a:ext uri="{FF2B5EF4-FFF2-40B4-BE49-F238E27FC236}">
+                <a16:creationId xmlns:a16="http://schemas.microsoft.com/office/drawing/2014/main" id="{FD9F91EC-E937-4006-A30E-FB5693F061CE}"/>
+              </a:ext>
+            </a:extLst>
+          </p:cNvPr>
+          <p:cNvGrpSpPr/>
+          <p:nvPr/>
+        </p:nvGrpSpPr>
+        <p:grpSpPr>
+          <a:xfrm>
+            <a:off x="844927" y="2887154"/>
+            <a:ext cx="1847272" cy="278886"/>
+            <a:chOff x="854162" y="3238131"/>
+            <a:chExt cx="1847272" cy="278886"/>
+          </a:xfrm>
+        </p:grpSpPr>
+        <p:sp>
+          <p:nvSpPr>
+            <p:cNvPr id="53" name="矩形 52">
+              <a:extLst>
+                <a:ext uri="{FF2B5EF4-FFF2-40B4-BE49-F238E27FC236}">
+                  <a16:creationId xmlns:a16="http://schemas.microsoft.com/office/drawing/2014/main" id="{ADBEE7DB-7DCA-4C0D-97AE-AFFD8F3A32DF}"/>
+                </a:ext>
+              </a:extLst>
+            </p:cNvPr>
+            <p:cNvSpPr/>
+            <p:nvPr/>
+          </p:nvSpPr>
+          <p:spPr>
+            <a:xfrm>
+              <a:off x="854162" y="3238131"/>
+              <a:ext cx="813212" cy="278886"/>
+            </a:xfrm>
+            <a:prstGeom prst="rect">
+              <a:avLst/>
+            </a:prstGeom>
+            <a:noFill/>
+            <a:ln>
+              <a:noFill/>
+            </a:ln>
+          </p:spPr>
+          <p:style>
+            <a:lnRef idx="2">
+              <a:schemeClr val="accent1">
+                <a:shade val="50000"/>
+              </a:schemeClr>
+            </a:lnRef>
+            <a:fillRef idx="1">
+              <a:schemeClr val="accent1"/>
+            </a:fillRef>
+            <a:effectRef idx="0">
+              <a:schemeClr val="accent1"/>
+            </a:effectRef>
+            <a:fontRef idx="minor">
+              <a:schemeClr val="lt1"/>
+            </a:fontRef>
+          </p:style>
+          <p:txBody>
+            <a:bodyPr rtlCol="0" anchor="ctr"/>
+            <a:lstStyle/>
+            <a:p>
+              <a:pPr algn="r"/>
+              <a:r>
+                <a:rPr lang="en-US" altLang="zh-CN" sz="1000">
+                  <a:solidFill>
+                    <a:schemeClr val="tx1"/>
+                  </a:solidFill>
+                  <a:latin typeface="微软雅黑" panose="020B0503020204020204" pitchFamily="34" charset="-122"/>
+                  <a:ea typeface="微软雅黑" panose="020B0503020204020204" pitchFamily="34" charset="-122"/>
+                </a:rPr>
+                <a:t>put down :</a:t>
+              </a:r>
+              <a:endParaRPr lang="zh-CN" altLang="en-US" sz="1000">
+                <a:solidFill>
+                  <a:schemeClr val="tx1"/>
+                </a:solidFill>
+                <a:latin typeface="微软雅黑" panose="020B0503020204020204" pitchFamily="34" charset="-122"/>
+                <a:ea typeface="微软雅黑" panose="020B0503020204020204" pitchFamily="34" charset="-122"/>
+              </a:endParaRPr>
+            </a:p>
+          </p:txBody>
+        </p:sp>
+        <p:sp>
+          <p:nvSpPr>
+            <p:cNvPr id="54" name="矩形 53">
+              <a:extLst>
+                <a:ext uri="{FF2B5EF4-FFF2-40B4-BE49-F238E27FC236}">
+                  <a16:creationId xmlns:a16="http://schemas.microsoft.com/office/drawing/2014/main" id="{D1FA820B-D83F-4F74-84C4-77F1DD1B6469}"/>
+                </a:ext>
+              </a:extLst>
+            </p:cNvPr>
+            <p:cNvSpPr/>
+            <p:nvPr/>
+          </p:nvSpPr>
+          <p:spPr>
+            <a:xfrm>
+              <a:off x="1676609" y="3238131"/>
+              <a:ext cx="1024825" cy="278886"/>
+            </a:xfrm>
+            <a:prstGeom prst="rect">
+              <a:avLst/>
+            </a:prstGeom>
+            <a:noFill/>
+            <a:ln>
+              <a:noFill/>
+            </a:ln>
+            <a:effectLst/>
+          </p:spPr>
+          <p:style>
+            <a:lnRef idx="2">
+              <a:schemeClr val="accent1">
+                <a:shade val="50000"/>
+              </a:schemeClr>
+            </a:lnRef>
+            <a:fillRef idx="1">
+              <a:schemeClr val="accent1"/>
+            </a:fillRef>
+            <a:effectRef idx="0">
+              <a:schemeClr val="accent1"/>
+            </a:effectRef>
+            <a:fontRef idx="minor">
+              <a:schemeClr val="lt1"/>
+            </a:fontRef>
+          </p:style>
+          <p:txBody>
+            <a:bodyPr rtlCol="0" anchor="ctr"/>
+            <a:lstStyle/>
+            <a:p>
+              <a:r>
+                <a:rPr lang="en-US" altLang="zh-CN" sz="1000">
+                  <a:solidFill>
+                    <a:schemeClr val="tx1"/>
+                  </a:solidFill>
+                  <a:latin typeface="微软雅黑" panose="020B0503020204020204" pitchFamily="34" charset="-122"/>
+                  <a:ea typeface="微软雅黑" panose="020B0503020204020204" pitchFamily="34" charset="-122"/>
+                </a:rPr>
+                <a:t>21</a:t>
+              </a:r>
+              <a:endParaRPr lang="zh-CN" altLang="en-US" sz="1000">
+                <a:solidFill>
+                  <a:schemeClr val="tx1"/>
+                </a:solidFill>
+                <a:latin typeface="微软雅黑" panose="020B0503020204020204" pitchFamily="34" charset="-122"/>
+                <a:ea typeface="微软雅黑" panose="020B0503020204020204" pitchFamily="34" charset="-122"/>
+              </a:endParaRPr>
+            </a:p>
+          </p:txBody>
+        </p:sp>
+      </p:grpSp>
+      <p:pic>
+        <p:nvPicPr>
+          <p:cNvPr id="69" name="图片 68">
+            <a:extLst>
+              <a:ext uri="{FF2B5EF4-FFF2-40B4-BE49-F238E27FC236}">
+                <a16:creationId xmlns:a16="http://schemas.microsoft.com/office/drawing/2014/main" id="{56BEBD18-7DDE-4353-983C-206B19DCA80D}"/>
+              </a:ext>
+            </a:extLst>
+          </p:cNvPr>
+          <p:cNvPicPr>
+            <a:picLocks noChangeAspect="1"/>
+          </p:cNvPicPr>
+          <p:nvPr/>
+        </p:nvPicPr>
+        <p:blipFill>
+          <a:blip r:embed="rId3">
+            <a:extLst>
+              <a:ext uri="{BEBA8EAE-BF5A-486C-A8C5-ECC9F3942E4B}">
+                <a14:imgProps xmlns:a14="http://schemas.microsoft.com/office/drawing/2010/main">
+                  <a14:imgLayer r:embed="rId4">
+                    <a14:imgEffect>
+                      <a14:brightnessContrast contrast="-20000"/>
+                    </a14:imgEffect>
+                  </a14:imgLayer>
+                </a14:imgProps>
+              </a:ext>
+            </a:extLst>
+          </a:blip>
+          <a:srcRect r="9654"/>
+          <a:stretch>
+            <a:fillRect/>
+          </a:stretch>
+        </p:blipFill>
+        <p:spPr>
+          <a:xfrm>
+            <a:off x="4791241" y="1346257"/>
+            <a:ext cx="5937603" cy="4444369"/>
+          </a:xfrm>
+          <a:custGeom>
+            <a:avLst/>
+            <a:gdLst>
+              <a:gd name="connsiteX0" fmla="*/ 281017 w 5937603"/>
+              <a:gd name="connsiteY0" fmla="*/ 0 h 4444369"/>
+              <a:gd name="connsiteX1" fmla="*/ 5656586 w 5937603"/>
+              <a:gd name="connsiteY1" fmla="*/ 0 h 4444369"/>
+              <a:gd name="connsiteX2" fmla="*/ 5937603 w 5937603"/>
+              <a:gd name="connsiteY2" fmla="*/ 281017 h 4444369"/>
+              <a:gd name="connsiteX3" fmla="*/ 5937603 w 5937603"/>
+              <a:gd name="connsiteY3" fmla="*/ 4163352 h 4444369"/>
+              <a:gd name="connsiteX4" fmla="*/ 5656586 w 5937603"/>
+              <a:gd name="connsiteY4" fmla="*/ 4444369 h 4444369"/>
+              <a:gd name="connsiteX5" fmla="*/ 281017 w 5937603"/>
+              <a:gd name="connsiteY5" fmla="*/ 4444369 h 4444369"/>
+              <a:gd name="connsiteX6" fmla="*/ 0 w 5937603"/>
+              <a:gd name="connsiteY6" fmla="*/ 4163352 h 4444369"/>
+              <a:gd name="connsiteX7" fmla="*/ 0 w 5937603"/>
+              <a:gd name="connsiteY7" fmla="*/ 281017 h 4444369"/>
+              <a:gd name="connsiteX8" fmla="*/ 281017 w 5937603"/>
+              <a:gd name="connsiteY8" fmla="*/ 0 h 4444369"/>
+            </a:gdLst>
+            <a:ahLst/>
+            <a:cxnLst>
+              <a:cxn ang="0">
+                <a:pos x="connsiteX0" y="connsiteY0"/>
+              </a:cxn>
+              <a:cxn ang="0">
+                <a:pos x="connsiteX1" y="connsiteY1"/>
+              </a:cxn>
+              <a:cxn ang="0">
+                <a:pos x="connsiteX2" y="connsiteY2"/>
+              </a:cxn>
+              <a:cxn ang="0">
+                <a:pos x="connsiteX3" y="connsiteY3"/>
+              </a:cxn>
+              <a:cxn ang="0">
+                <a:pos x="connsiteX4" y="connsiteY4"/>
+              </a:cxn>
+              <a:cxn ang="0">
+                <a:pos x="connsiteX5" y="connsiteY5"/>
+              </a:cxn>
+              <a:cxn ang="0">
+                <a:pos x="connsiteX6" y="connsiteY6"/>
+              </a:cxn>
+              <a:cxn ang="0">
+                <a:pos x="connsiteX7" y="connsiteY7"/>
+              </a:cxn>
+              <a:cxn ang="0">
+                <a:pos x="connsiteX8" y="connsiteY8"/>
+              </a:cxn>
+            </a:cxnLst>
+            <a:rect l="l" t="t" r="r" b="b"/>
+            <a:pathLst>
+              <a:path w="5937603" h="4444369">
+                <a:moveTo>
+                  <a:pt x="281017" y="0"/>
+                </a:moveTo>
+                <a:lnTo>
+                  <a:pt x="5656586" y="0"/>
+                </a:lnTo>
+                <a:cubicBezTo>
+                  <a:pt x="5811787" y="0"/>
+                  <a:pt x="5937603" y="125816"/>
+                  <a:pt x="5937603" y="281017"/>
+                </a:cubicBezTo>
+                <a:lnTo>
+                  <a:pt x="5937603" y="4163352"/>
+                </a:lnTo>
+                <a:cubicBezTo>
+                  <a:pt x="5937603" y="4318553"/>
+                  <a:pt x="5811787" y="4444369"/>
+                  <a:pt x="5656586" y="4444369"/>
+                </a:cubicBezTo>
+                <a:lnTo>
+                  <a:pt x="281017" y="4444369"/>
+                </a:lnTo>
+                <a:cubicBezTo>
+                  <a:pt x="125816" y="4444369"/>
+                  <a:pt x="0" y="4318553"/>
+                  <a:pt x="0" y="4163352"/>
+                </a:cubicBezTo>
+                <a:lnTo>
+                  <a:pt x="0" y="281017"/>
+                </a:lnTo>
+                <a:cubicBezTo>
+                  <a:pt x="0" y="125816"/>
+                  <a:pt x="125816" y="0"/>
+                  <a:pt x="281017" y="0"/>
+                </a:cubicBezTo>
+                <a:close/>
+              </a:path>
+            </a:pathLst>
+          </a:custGeom>
+          <a:effectLst/>
+        </p:spPr>
+      </p:pic>
+    </p:spTree>
+    <p:extLst>
+      <p:ext uri="{BB962C8B-B14F-4D97-AF65-F5344CB8AC3E}">
+        <p14:creationId xmlns:p14="http://schemas.microsoft.com/office/powerpoint/2010/main" val="2219429579"/>
+      </p:ext>
+    </p:extLst>
+  </p:cSld>
+  <p:clrMapOvr>
+    <a:masterClrMapping/>
+  </p:clrMapOvr>
+</p:sld>
+</file>
+
+<file path=ppt/slides/slide3.xml><?xml version="1.0" encoding="utf-8"?>
+<p:sld xmlns:a="http://schemas.openxmlformats.org/drawingml/2006/main" xmlns:r="http://schemas.openxmlformats.org/officeDocument/2006/relationships" xmlns:p="http://schemas.openxmlformats.org/presentationml/2006/main">
+  <p:cSld>
+    <p:spTree>
+      <p:nvGrpSpPr>
+        <p:cNvPr id="1" name=""/>
+        <p:cNvGrpSpPr/>
+        <p:nvPr/>
+      </p:nvGrpSpPr>
+      <p:grpSpPr>
+        <a:xfrm>
+          <a:off x="0" y="0"/>
+          <a:ext cx="0" cy="0"/>
+          <a:chOff x="0" y="0"/>
+          <a:chExt cx="0" cy="0"/>
+        </a:xfrm>
+      </p:grpSpPr>
+      <p:sp>
+        <p:nvSpPr>
+          <p:cNvPr id="25" name="矩形: 圆角 24">
+            <a:extLst>
+              <a:ext uri="{FF2B5EF4-FFF2-40B4-BE49-F238E27FC236}">
+                <a16:creationId xmlns:a16="http://schemas.microsoft.com/office/drawing/2014/main" id="{2D14566B-B3DB-4CD8-B5EE-2B87149D4905}"/>
+              </a:ext>
+            </a:extLst>
+          </p:cNvPr>
+          <p:cNvSpPr/>
+          <p:nvPr/>
+        </p:nvSpPr>
+        <p:spPr>
+          <a:xfrm>
+            <a:off x="3016753" y="749514"/>
+            <a:ext cx="5432859" cy="5432859"/>
+          </a:xfrm>
+          <a:prstGeom prst="roundRect">
+            <a:avLst>
+              <a:gd name="adj" fmla="val 2386"/>
+            </a:avLst>
+          </a:prstGeom>
+          <a:noFill/>
+          <a:ln>
+            <a:noFill/>
+          </a:ln>
+        </p:spPr>
+        <p:style>
+          <a:lnRef idx="2">
+            <a:schemeClr val="accent1">
+              <a:shade val="50000"/>
+            </a:schemeClr>
+          </a:lnRef>
+          <a:fillRef idx="1">
+            <a:schemeClr val="accent1"/>
+          </a:fillRef>
+          <a:effectRef idx="0">
+            <a:schemeClr val="accent1"/>
+          </a:effectRef>
+          <a:fontRef idx="minor">
+            <a:schemeClr val="lt1"/>
+          </a:fontRef>
+        </p:style>
+        <p:txBody>
+          <a:bodyPr rtlCol="0" anchor="ctr"/>
+          <a:lstStyle/>
+          <a:p>
+            <a:pPr algn="ctr"/>
+            <a:endParaRPr lang="zh-CN" altLang="en-US"/>
+          </a:p>
+        </p:txBody>
+      </p:sp>
+      <p:grpSp>
+        <p:nvGrpSpPr>
+          <p:cNvPr id="23" name="组合 22">
+            <a:extLst>
+              <a:ext uri="{FF2B5EF4-FFF2-40B4-BE49-F238E27FC236}">
+                <a16:creationId xmlns:a16="http://schemas.microsoft.com/office/drawing/2014/main" id="{7A11067D-3785-4A06-9812-C9BFF8C1D159}"/>
+              </a:ext>
+            </a:extLst>
+          </p:cNvPr>
+          <p:cNvGrpSpPr/>
+          <p:nvPr/>
+        </p:nvGrpSpPr>
+        <p:grpSpPr>
+          <a:xfrm>
+            <a:off x="3249468" y="1679575"/>
+            <a:ext cx="4967432" cy="3326534"/>
+            <a:chOff x="3249468" y="1679575"/>
+            <a:chExt cx="4967432" cy="3326534"/>
+          </a:xfrm>
+        </p:grpSpPr>
+        <p:sp>
+          <p:nvSpPr>
+            <p:cNvPr id="10" name="矩形: 圆角 9">
+              <a:extLst>
+                <a:ext uri="{FF2B5EF4-FFF2-40B4-BE49-F238E27FC236}">
+                  <a16:creationId xmlns:a16="http://schemas.microsoft.com/office/drawing/2014/main" id="{C9404F2F-B11E-4ABE-AFF3-BCB31EED0008}"/>
+                </a:ext>
+              </a:extLst>
+            </p:cNvPr>
+            <p:cNvSpPr/>
+            <p:nvPr/>
+          </p:nvSpPr>
+          <p:spPr>
+            <a:xfrm>
+              <a:off x="7813675" y="3564997"/>
+              <a:ext cx="403225" cy="873315"/>
+            </a:xfrm>
+            <a:prstGeom prst="roundRect">
+              <a:avLst>
+                <a:gd name="adj" fmla="val 23714"/>
+              </a:avLst>
+            </a:prstGeom>
+            <a:solidFill>
+              <a:schemeClr val="accent2"/>
+            </a:solidFill>
+            <a:ln>
+              <a:noFill/>
+            </a:ln>
+          </p:spPr>
+          <p:style>
+            <a:lnRef idx="2">
+              <a:schemeClr val="accent1">
+                <a:shade val="50000"/>
+              </a:schemeClr>
+            </a:lnRef>
+            <a:fillRef idx="1">
+              <a:schemeClr val="accent1"/>
+            </a:fillRef>
+            <a:effectRef idx="0">
+              <a:schemeClr val="accent1"/>
+            </a:effectRef>
+            <a:fontRef idx="minor">
+              <a:schemeClr val="lt1"/>
+            </a:fontRef>
+          </p:style>
+          <p:txBody>
+            <a:bodyPr rtlCol="0" anchor="ctr"/>
+            <a:lstStyle/>
+            <a:p>
+              <a:pPr algn="ctr"/>
+              <a:endParaRPr lang="zh-CN" altLang="en-US"/>
+            </a:p>
+          </p:txBody>
+        </p:sp>
+        <p:sp>
+          <p:nvSpPr>
+            <p:cNvPr id="8" name="矩形: 圆角 7">
+              <a:extLst>
+                <a:ext uri="{FF2B5EF4-FFF2-40B4-BE49-F238E27FC236}">
+                  <a16:creationId xmlns:a16="http://schemas.microsoft.com/office/drawing/2014/main" id="{D6938AE2-1DA6-40A1-A265-AFDBCABC8FE8}"/>
+                </a:ext>
+              </a:extLst>
+            </p:cNvPr>
+            <p:cNvSpPr/>
+            <p:nvPr/>
+          </p:nvSpPr>
+          <p:spPr>
+            <a:xfrm>
+              <a:off x="3249468" y="3564997"/>
+              <a:ext cx="403225" cy="873315"/>
+            </a:xfrm>
+            <a:prstGeom prst="roundRect">
+              <a:avLst>
+                <a:gd name="adj" fmla="val 23714"/>
+              </a:avLst>
+            </a:prstGeom>
+            <a:solidFill>
+              <a:schemeClr val="accent2"/>
+            </a:solidFill>
+            <a:ln>
+              <a:noFill/>
+            </a:ln>
+          </p:spPr>
+          <p:style>
+            <a:lnRef idx="2">
+              <a:schemeClr val="accent1">
+                <a:shade val="50000"/>
+              </a:schemeClr>
+            </a:lnRef>
+            <a:fillRef idx="1">
+              <a:schemeClr val="accent1"/>
+            </a:fillRef>
+            <a:effectRef idx="0">
+              <a:schemeClr val="accent1"/>
+            </a:effectRef>
+            <a:fontRef idx="minor">
+              <a:schemeClr val="lt1"/>
+            </a:fontRef>
+          </p:style>
+          <p:txBody>
+            <a:bodyPr rtlCol="0" anchor="ctr"/>
+            <a:lstStyle/>
+            <a:p>
+              <a:pPr algn="ctr"/>
+              <a:endParaRPr lang="zh-CN" altLang="en-US"/>
+            </a:p>
+          </p:txBody>
+        </p:sp>
+        <p:sp>
+          <p:nvSpPr>
+            <p:cNvPr id="4" name="矩形: 圆角 3">
+              <a:extLst>
+                <a:ext uri="{FF2B5EF4-FFF2-40B4-BE49-F238E27FC236}">
+                  <a16:creationId xmlns:a16="http://schemas.microsoft.com/office/drawing/2014/main" id="{15EABBB0-F83B-4868-A4F6-3AB458684417}"/>
+                </a:ext>
+              </a:extLst>
+            </p:cNvPr>
+            <p:cNvSpPr/>
+            <p:nvPr/>
+          </p:nvSpPr>
+          <p:spPr>
+            <a:xfrm>
+              <a:off x="3814618" y="2997200"/>
+              <a:ext cx="3837132" cy="2008909"/>
+            </a:xfrm>
+            <a:prstGeom prst="roundRect">
+              <a:avLst>
+                <a:gd name="adj" fmla="val 10811"/>
+              </a:avLst>
+            </a:prstGeom>
+            <a:solidFill>
+              <a:schemeClr val="tx1">
+                <a:lumMod val="65000"/>
+                <a:lumOff val="35000"/>
+              </a:schemeClr>
+            </a:solidFill>
+            <a:ln>
+              <a:noFill/>
+            </a:ln>
+          </p:spPr>
+          <p:style>
+            <a:lnRef idx="2">
+              <a:schemeClr val="accent1">
+                <a:shade val="50000"/>
+              </a:schemeClr>
+            </a:lnRef>
+            <a:fillRef idx="1">
+              <a:schemeClr val="accent1"/>
+            </a:fillRef>
+            <a:effectRef idx="0">
+              <a:schemeClr val="accent1"/>
+            </a:effectRef>
+            <a:fontRef idx="minor">
+              <a:schemeClr val="lt1"/>
+            </a:fontRef>
+          </p:style>
+          <p:txBody>
+            <a:bodyPr rtlCol="0" anchor="ctr"/>
+            <a:lstStyle/>
+            <a:p>
+              <a:pPr algn="ctr"/>
+              <a:endParaRPr lang="zh-CN" altLang="en-US"/>
+            </a:p>
+          </p:txBody>
+        </p:sp>
+        <p:grpSp>
+          <p:nvGrpSpPr>
+            <p:cNvPr id="11" name="组合 10">
+              <a:extLst>
+                <a:ext uri="{FF2B5EF4-FFF2-40B4-BE49-F238E27FC236}">
+                  <a16:creationId xmlns:a16="http://schemas.microsoft.com/office/drawing/2014/main" id="{3F1BE657-8D5E-4322-A1DE-FBF79EE4A47C}"/>
+                </a:ext>
+              </a:extLst>
+            </p:cNvPr>
+            <p:cNvGrpSpPr/>
+            <p:nvPr/>
+          </p:nvGrpSpPr>
+          <p:grpSpPr>
+            <a:xfrm>
+              <a:off x="4398185" y="3725518"/>
+              <a:ext cx="2669998" cy="552273"/>
+              <a:chOff x="3091816" y="2894966"/>
+              <a:chExt cx="3533502" cy="730884"/>
+            </a:xfrm>
+            <a:solidFill>
+              <a:schemeClr val="bg1"/>
+            </a:solidFill>
+          </p:grpSpPr>
+          <p:sp>
+            <p:nvSpPr>
+              <p:cNvPr id="5" name="椭圆 4">
+                <a:extLst>
+                  <a:ext uri="{FF2B5EF4-FFF2-40B4-BE49-F238E27FC236}">
+                    <a16:creationId xmlns:a16="http://schemas.microsoft.com/office/drawing/2014/main" id="{938CFF6C-EBFB-4B12-B3E0-B56538CAB117}"/>
+                  </a:ext>
+                </a:extLst>
+              </p:cNvPr>
+              <p:cNvSpPr/>
+              <p:nvPr/>
+            </p:nvSpPr>
+            <p:spPr>
+              <a:xfrm>
+                <a:off x="3091816" y="2894966"/>
+                <a:ext cx="730884" cy="730884"/>
+              </a:xfrm>
+              <a:prstGeom prst="ellipse">
+                <a:avLst/>
+              </a:prstGeom>
+              <a:solidFill>
+                <a:schemeClr val="bg1"/>
+              </a:solidFill>
+              <a:ln>
+                <a:noFill/>
+              </a:ln>
+              <a:effectLst>
+                <a:outerShdw blurRad="63500" sx="102000" sy="102000" algn="ctr" rotWithShape="0">
+                  <a:prstClr val="black">
+                    <a:alpha val="40000"/>
+                  </a:prstClr>
+                </a:outerShdw>
+              </a:effectLst>
+            </p:spPr>
+            <p:style>
+              <a:lnRef idx="2">
+                <a:schemeClr val="accent1">
+                  <a:shade val="50000"/>
+                </a:schemeClr>
+              </a:lnRef>
+              <a:fillRef idx="1">
+                <a:schemeClr val="accent1"/>
+              </a:fillRef>
+              <a:effectRef idx="0">
+                <a:schemeClr val="accent1"/>
+              </a:effectRef>
+              <a:fontRef idx="minor">
+                <a:schemeClr val="lt1"/>
+              </a:fontRef>
+            </p:style>
+            <p:txBody>
+              <a:bodyPr rtlCol="0" anchor="ctr"/>
+              <a:lstStyle/>
+              <a:p>
+                <a:pPr algn="ctr"/>
+                <a:endParaRPr lang="zh-CN" altLang="en-US"/>
+              </a:p>
+            </p:txBody>
+          </p:sp>
+          <p:sp>
+            <p:nvSpPr>
+              <p:cNvPr id="6" name="椭圆 5">
+                <a:extLst>
+                  <a:ext uri="{FF2B5EF4-FFF2-40B4-BE49-F238E27FC236}">
+                    <a16:creationId xmlns:a16="http://schemas.microsoft.com/office/drawing/2014/main" id="{491BFA01-7805-4D76-BB22-361FA3D8AA3B}"/>
+                  </a:ext>
+                </a:extLst>
+              </p:cNvPr>
+              <p:cNvSpPr/>
+              <p:nvPr/>
+            </p:nvSpPr>
+            <p:spPr>
+              <a:xfrm>
+                <a:off x="5894434" y="2894966"/>
+                <a:ext cx="730884" cy="730884"/>
+              </a:xfrm>
+              <a:prstGeom prst="ellipse">
+                <a:avLst/>
+              </a:prstGeom>
+              <a:solidFill>
+                <a:schemeClr val="bg1"/>
+              </a:solidFill>
+              <a:ln>
+                <a:noFill/>
+              </a:ln>
+              <a:effectLst>
+                <a:outerShdw blurRad="63500" sx="102000" sy="102000" algn="ctr" rotWithShape="0">
+                  <a:prstClr val="black">
+                    <a:alpha val="40000"/>
+                  </a:prstClr>
+                </a:outerShdw>
+              </a:effectLst>
+            </p:spPr>
+            <p:style>
+              <a:lnRef idx="2">
+                <a:schemeClr val="accent1">
+                  <a:shade val="50000"/>
+                </a:schemeClr>
+              </a:lnRef>
+              <a:fillRef idx="1">
+                <a:schemeClr val="accent1"/>
+              </a:fillRef>
+              <a:effectRef idx="0">
+                <a:schemeClr val="accent1"/>
+              </a:effectRef>
+              <a:fontRef idx="minor">
+                <a:schemeClr val="lt1"/>
+              </a:fontRef>
+            </p:style>
+            <p:txBody>
+              <a:bodyPr rtlCol="0" anchor="ctr"/>
+              <a:lstStyle/>
+              <a:p>
+                <a:pPr algn="ctr"/>
+                <a:endParaRPr lang="zh-CN" altLang="en-US"/>
+              </a:p>
+            </p:txBody>
+          </p:sp>
+        </p:grpSp>
+        <p:sp>
+          <p:nvSpPr>
+            <p:cNvPr id="19" name="矩形: 圆角 18">
+              <a:extLst>
+                <a:ext uri="{FF2B5EF4-FFF2-40B4-BE49-F238E27FC236}">
+                  <a16:creationId xmlns:a16="http://schemas.microsoft.com/office/drawing/2014/main" id="{DC94D62C-8B27-4EC3-ADC6-88D587279DC5}"/>
+                </a:ext>
+              </a:extLst>
+            </p:cNvPr>
+            <p:cNvSpPr/>
+            <p:nvPr/>
+          </p:nvSpPr>
+          <p:spPr>
+            <a:xfrm>
+              <a:off x="5635553" y="1917700"/>
+              <a:ext cx="195262" cy="1209675"/>
+            </a:xfrm>
+            <a:prstGeom prst="roundRect">
+              <a:avLst>
+                <a:gd name="adj" fmla="val 50000"/>
+              </a:avLst>
+            </a:prstGeom>
+            <a:solidFill>
+              <a:schemeClr val="bg2">
+                <a:lumMod val="75000"/>
+              </a:schemeClr>
+            </a:solidFill>
+            <a:ln>
+              <a:noFill/>
+            </a:ln>
+          </p:spPr>
+          <p:style>
+            <a:lnRef idx="2">
+              <a:schemeClr val="accent1">
+                <a:shade val="50000"/>
+              </a:schemeClr>
+            </a:lnRef>
+            <a:fillRef idx="1">
+              <a:schemeClr val="accent1"/>
+            </a:fillRef>
+            <a:effectRef idx="0">
+              <a:schemeClr val="accent1"/>
+            </a:effectRef>
+            <a:fontRef idx="minor">
+              <a:schemeClr val="lt1"/>
+            </a:fontRef>
+          </p:style>
+          <p:txBody>
+            <a:bodyPr rtlCol="0" anchor="ctr"/>
+            <a:lstStyle/>
+            <a:p>
+              <a:pPr algn="ctr"/>
+              <a:endParaRPr lang="zh-CN" altLang="en-US"/>
+            </a:p>
+          </p:txBody>
+        </p:sp>
+        <p:sp>
+          <p:nvSpPr>
+            <p:cNvPr id="20" name="椭圆 19">
+              <a:extLst>
+                <a:ext uri="{FF2B5EF4-FFF2-40B4-BE49-F238E27FC236}">
+                  <a16:creationId xmlns:a16="http://schemas.microsoft.com/office/drawing/2014/main" id="{220AB466-3DC4-498B-927A-1F73A3B0CDCE}"/>
+                </a:ext>
+              </a:extLst>
+            </p:cNvPr>
+            <p:cNvSpPr/>
+            <p:nvPr/>
+          </p:nvSpPr>
+          <p:spPr>
+            <a:xfrm>
+              <a:off x="5495059" y="1679575"/>
+              <a:ext cx="476250" cy="476250"/>
+            </a:xfrm>
+            <a:prstGeom prst="ellipse">
+              <a:avLst/>
+            </a:prstGeom>
+            <a:solidFill>
+              <a:srgbClr val="595959"/>
+            </a:solidFill>
+            <a:ln>
+              <a:noFill/>
+            </a:ln>
+          </p:spPr>
+          <p:style>
+            <a:lnRef idx="2">
+              <a:schemeClr val="accent1">
+                <a:shade val="50000"/>
+              </a:schemeClr>
+            </a:lnRef>
+            <a:fillRef idx="1">
+              <a:schemeClr val="accent1"/>
+            </a:fillRef>
+            <a:effectRef idx="0">
+              <a:schemeClr val="accent1"/>
+            </a:effectRef>
+            <a:fontRef idx="minor">
+              <a:schemeClr val="lt1"/>
+            </a:fontRef>
+          </p:style>
+          <p:txBody>
+            <a:bodyPr rtlCol="0" anchor="ctr"/>
+            <a:lstStyle/>
+            <a:p>
+              <a:pPr algn="ctr"/>
+              <a:endParaRPr lang="zh-CN" altLang="en-US"/>
+            </a:p>
+          </p:txBody>
+        </p:sp>
+        <p:sp>
+          <p:nvSpPr>
+            <p:cNvPr id="21" name="文本框 20">
+              <a:extLst>
+                <a:ext uri="{FF2B5EF4-FFF2-40B4-BE49-F238E27FC236}">
+                  <a16:creationId xmlns:a16="http://schemas.microsoft.com/office/drawing/2014/main" id="{0EFDF046-6CDB-417A-94EC-88C35EAA700B}"/>
+                </a:ext>
+              </a:extLst>
+            </p:cNvPr>
+            <p:cNvSpPr txBox="1"/>
+            <p:nvPr/>
+          </p:nvSpPr>
+          <p:spPr>
+            <a:xfrm>
+              <a:off x="5281778" y="4627541"/>
+              <a:ext cx="902811" cy="307777"/>
+            </a:xfrm>
+            <a:prstGeom prst="rect">
+              <a:avLst/>
+            </a:prstGeom>
+            <a:noFill/>
+          </p:spPr>
+          <p:txBody>
+            <a:bodyPr wrap="none" rtlCol="0">
+              <a:spAutoFit/>
+            </a:bodyPr>
+            <a:lstStyle/>
+            <a:p>
+              <a:r>
+                <a:rPr lang="zh-CN" altLang="en-US" sz="1400">
+                  <a:solidFill>
+                    <a:schemeClr val="accent3">
+                      <a:lumMod val="75000"/>
+                    </a:schemeClr>
+                  </a:solidFill>
+                  <a:latin typeface="+mj-lt"/>
+                </a:rPr>
+                <a:t>卷卷专属</a:t>
+              </a:r>
+            </a:p>
+          </p:txBody>
+        </p:sp>
+      </p:grpSp>
+    </p:spTree>
+    <p:extLst>
+      <p:ext uri="{BB962C8B-B14F-4D97-AF65-F5344CB8AC3E}">
+        <p14:creationId xmlns:p14="http://schemas.microsoft.com/office/powerpoint/2010/main" val="903087711"/>
+      </p:ext>
+    </p:extLst>
+  </p:cSld>
+  <p:clrMapOvr>
+    <a:masterClrMapping/>
+  </p:clrMapOvr>
+</p:sld>
+</file>
+
+<file path=ppt/slides/slide4.xml><?xml version="1.0" encoding="utf-8"?>
+<p:sld xmlns:a="http://schemas.openxmlformats.org/drawingml/2006/main" xmlns:r="http://schemas.openxmlformats.org/officeDocument/2006/relationships" xmlns:p="http://schemas.openxmlformats.org/presentationml/2006/main">
+  <p:cSld>
+    <p:spTree>
+      <p:nvGrpSpPr>
+        <p:cNvPr id="1" name=""/>
+        <p:cNvGrpSpPr/>
+        <p:nvPr/>
+      </p:nvGrpSpPr>
+      <p:grpSpPr>
+        <a:xfrm>
+          <a:off x="0" y="0"/>
+          <a:ext cx="0" cy="0"/>
+          <a:chOff x="0" y="0"/>
+          <a:chExt cx="0" cy="0"/>
+        </a:xfrm>
+      </p:grpSpPr>
       <p:cxnSp>
         <p:nvCxnSpPr>
           <p:cNvPr id="72" name="直接箭头连接符 71">
@@ -6426,7 +9869,7 @@
 </p:sld>
 </file>
 
-<file path=ppt/slides/slide2.xml><?xml version="1.0" encoding="utf-8"?>
+<file path=ppt/slides/slide5.xml><?xml version="1.0" encoding="utf-8"?>
 <p:sld xmlns:a="http://schemas.openxmlformats.org/drawingml/2006/main" xmlns:r="http://schemas.openxmlformats.org/officeDocument/2006/relationships" xmlns:p="http://schemas.openxmlformats.org/presentationml/2006/main">
   <p:cSld>
     <p:spTree>
@@ -10907,7 +14350,7 @@
 </p:sld>
 </file>
 
-<file path=ppt/slides/slide3.xml><?xml version="1.0" encoding="utf-8"?>
+<file path=ppt/slides/slide6.xml><?xml version="1.0" encoding="utf-8"?>
 <p:sld xmlns:a="http://schemas.openxmlformats.org/drawingml/2006/main" xmlns:r="http://schemas.openxmlformats.org/officeDocument/2006/relationships" xmlns:p="http://schemas.openxmlformats.org/presentationml/2006/main">
   <p:cSld>
     <p:spTree>
@@ -19293,7 +22736,7 @@
 </p:sld>
 </file>
 
-<file path=ppt/slides/slide4.xml><?xml version="1.0" encoding="utf-8"?>
+<file path=ppt/slides/slide7.xml><?xml version="1.0" encoding="utf-8"?>
 <p:sld xmlns:a="http://schemas.openxmlformats.org/drawingml/2006/main" xmlns:r="http://schemas.openxmlformats.org/officeDocument/2006/relationships" xmlns:p="http://schemas.openxmlformats.org/presentationml/2006/main">
   <p:cSld>
     <p:spTree>
@@ -27834,7 +31277,7 @@
 </p:sld>
 </file>
 
-<file path=ppt/slides/slide5.xml><?xml version="1.0" encoding="utf-8"?>
+<file path=ppt/slides/slide8.xml><?xml version="1.0" encoding="utf-8"?>
 <p:sld xmlns:a="http://schemas.openxmlformats.org/drawingml/2006/main" xmlns:r="http://schemas.openxmlformats.org/officeDocument/2006/relationships" xmlns:p="http://schemas.openxmlformats.org/presentationml/2006/main">
   <p:cSld>
     <p:spTree>
@@ -37103,7 +40546,7 @@
 </p:sld>
 </file>
 
-<file path=ppt/slides/slide6.xml><?xml version="1.0" encoding="utf-8"?>
+<file path=ppt/slides/slide9.xml><?xml version="1.0" encoding="utf-8"?>
 <p:sld xmlns:a="http://schemas.openxmlformats.org/drawingml/2006/main" xmlns:r="http://schemas.openxmlformats.org/officeDocument/2006/relationships" xmlns:p="http://schemas.openxmlformats.org/presentationml/2006/main">
   <p:cSld>
     <p:spTree>
@@ -37580,36 +41023,6 @@
 </p:sld>
 </file>
 
-<file path=ppt/slides/slide7.xml><?xml version="1.0" encoding="utf-8"?>
-<p:sld xmlns:a="http://schemas.openxmlformats.org/drawingml/2006/main" xmlns:r="http://schemas.openxmlformats.org/officeDocument/2006/relationships" xmlns:p="http://schemas.openxmlformats.org/presentationml/2006/main">
-  <p:cSld>
-    <p:spTree>
-      <p:nvGrpSpPr>
-        <p:cNvPr id="1" name=""/>
-        <p:cNvGrpSpPr/>
-        <p:nvPr/>
-      </p:nvGrpSpPr>
-      <p:grpSpPr>
-        <a:xfrm>
-          <a:off x="0" y="0"/>
-          <a:ext cx="0" cy="0"/>
-          <a:chOff x="0" y="0"/>
-          <a:chExt cx="0" cy="0"/>
-        </a:xfrm>
-      </p:grpSpPr>
-    </p:spTree>
-    <p:extLst>
-      <p:ext uri="{BB962C8B-B14F-4D97-AF65-F5344CB8AC3E}">
-        <p14:creationId xmlns:p14="http://schemas.microsoft.com/office/powerpoint/2010/main" val="2390582493"/>
-      </p:ext>
-    </p:extLst>
-  </p:cSld>
-  <p:clrMapOvr>
-    <a:masterClrMapping/>
-  </p:clrMapOvr>
-</p:sld>
-</file>
-
 <file path=ppt/theme/theme1.xml><?xml version="1.0" encoding="utf-8"?>
 <a:theme xmlns:a="http://schemas.openxmlformats.org/drawingml/2006/main" name="Office 主题​​">
   <a:themeElements>
